--- a/res/Group8_Final_Demo.pptx
+++ b/res/Group8_Final_Demo.pptx
@@ -5,7 +5,7 @@
     <p:sldMasterId id="2147483659" r:id="rId1"/>
   </p:sldMasterIdLst>
   <p:notesMasterIdLst>
-    <p:notesMasterId r:id="rId12"/>
+    <p:notesMasterId r:id="rId9"/>
   </p:notesMasterIdLst>
   <p:sldIdLst>
     <p:sldId id="256" r:id="rId2"/>
@@ -15,9 +15,6 @@
     <p:sldId id="260" r:id="rId6"/>
     <p:sldId id="261" r:id="rId7"/>
     <p:sldId id="265" r:id="rId8"/>
-    <p:sldId id="262" r:id="rId9"/>
-    <p:sldId id="263" r:id="rId10"/>
-    <p:sldId id="264" r:id="rId11"/>
   </p:sldIdLst>
   <p:sldSz cx="9144000" cy="5143500" type="screen16x9"/>
   <p:notesSz cx="6858000" cy="9144000"/>
@@ -281,8 +278,8 @@
 <pc:chgInfo xmlns:a="http://schemas.openxmlformats.org/drawingml/2006/main" xmlns:r="http://schemas.openxmlformats.org/officeDocument/2006/relationships" xmlns:ac="http://schemas.microsoft.com/office/drawing/2013/main/command" xmlns:pc="http://schemas.microsoft.com/office/powerpoint/2013/main/command">
   <pc:docChgLst>
     <pc:chgData name="Zeyu Cui" userId="f8ac9f83-9c27-4bbb-a0d1-246ad869a9ef" providerId="ADAL" clId="{7461025A-60EA-4002-A4A0-3E2AA86254C9}"/>
-    <pc:docChg chg="undo custSel addSld modSld">
-      <pc:chgData name="Zeyu Cui" userId="f8ac9f83-9c27-4bbb-a0d1-246ad869a9ef" providerId="ADAL" clId="{7461025A-60EA-4002-A4A0-3E2AA86254C9}" dt="2023-12-06T02:46:39.272" v="409" actId="1076"/>
+    <pc:docChg chg="undo custSel addSld delSld modSld">
+      <pc:chgData name="Zeyu Cui" userId="f8ac9f83-9c27-4bbb-a0d1-246ad869a9ef" providerId="ADAL" clId="{7461025A-60EA-4002-A4A0-3E2AA86254C9}" dt="2023-12-06T02:54:14.561" v="423" actId="47"/>
       <pc:docMkLst>
         <pc:docMk/>
       </pc:docMkLst>
@@ -382,7 +379,7 @@
         </pc:picChg>
       </pc:sldChg>
       <pc:sldChg chg="addSp delSp modSp mod modNotes">
-        <pc:chgData name="Zeyu Cui" userId="f8ac9f83-9c27-4bbb-a0d1-246ad869a9ef" providerId="ADAL" clId="{7461025A-60EA-4002-A4A0-3E2AA86254C9}" dt="2023-12-06T02:44:50.012" v="380" actId="478"/>
+        <pc:chgData name="Zeyu Cui" userId="f8ac9f83-9c27-4bbb-a0d1-246ad869a9ef" providerId="ADAL" clId="{7461025A-60EA-4002-A4A0-3E2AA86254C9}" dt="2023-12-06T02:53:45.976" v="420" actId="120"/>
         <pc:sldMkLst>
           <pc:docMk/>
           <pc:sldMk cId="0" sldId="257"/>
@@ -476,7 +473,7 @@
           </ac:spMkLst>
         </pc:spChg>
         <pc:graphicFrameChg chg="mod modGraphic">
-          <ac:chgData name="Zeyu Cui" userId="f8ac9f83-9c27-4bbb-a0d1-246ad869a9ef" providerId="ADAL" clId="{7461025A-60EA-4002-A4A0-3E2AA86254C9}" dt="2023-12-06T02:39:56.375" v="347"/>
+          <ac:chgData name="Zeyu Cui" userId="f8ac9f83-9c27-4bbb-a0d1-246ad869a9ef" providerId="ADAL" clId="{7461025A-60EA-4002-A4A0-3E2AA86254C9}" dt="2023-12-06T02:53:45.976" v="420" actId="120"/>
           <ac:graphicFrameMkLst>
             <pc:docMk/>
             <pc:sldMk cId="0" sldId="257"/>
@@ -632,22 +629,22 @@
           </ac:picMkLst>
         </pc:picChg>
       </pc:sldChg>
-      <pc:sldChg chg="modNotes">
-        <pc:chgData name="Zeyu Cui" userId="f8ac9f83-9c27-4bbb-a0d1-246ad869a9ef" providerId="ADAL" clId="{7461025A-60EA-4002-A4A0-3E2AA86254C9}" dt="2023-12-06T02:08:05.306" v="15"/>
+      <pc:sldChg chg="del modNotes">
+        <pc:chgData name="Zeyu Cui" userId="f8ac9f83-9c27-4bbb-a0d1-246ad869a9ef" providerId="ADAL" clId="{7461025A-60EA-4002-A4A0-3E2AA86254C9}" dt="2023-12-06T02:54:09.640" v="421" actId="47"/>
         <pc:sldMkLst>
           <pc:docMk/>
           <pc:sldMk cId="0" sldId="262"/>
         </pc:sldMkLst>
       </pc:sldChg>
-      <pc:sldChg chg="modNotes">
-        <pc:chgData name="Zeyu Cui" userId="f8ac9f83-9c27-4bbb-a0d1-246ad869a9ef" providerId="ADAL" clId="{7461025A-60EA-4002-A4A0-3E2AA86254C9}" dt="2023-12-06T02:08:05.306" v="15"/>
+      <pc:sldChg chg="del modNotes">
+        <pc:chgData name="Zeyu Cui" userId="f8ac9f83-9c27-4bbb-a0d1-246ad869a9ef" providerId="ADAL" clId="{7461025A-60EA-4002-A4A0-3E2AA86254C9}" dt="2023-12-06T02:54:12.014" v="422" actId="47"/>
         <pc:sldMkLst>
           <pc:docMk/>
           <pc:sldMk cId="0" sldId="263"/>
         </pc:sldMkLst>
       </pc:sldChg>
-      <pc:sldChg chg="modNotes">
-        <pc:chgData name="Zeyu Cui" userId="f8ac9f83-9c27-4bbb-a0d1-246ad869a9ef" providerId="ADAL" clId="{7461025A-60EA-4002-A4A0-3E2AA86254C9}" dt="2023-12-06T02:08:05.306" v="15"/>
+      <pc:sldChg chg="del modNotes">
+        <pc:chgData name="Zeyu Cui" userId="f8ac9f83-9c27-4bbb-a0d1-246ad869a9ef" providerId="ADAL" clId="{7461025A-60EA-4002-A4A0-3E2AA86254C9}" dt="2023-12-06T02:54:14.561" v="423" actId="47"/>
         <pc:sldMkLst>
           <pc:docMk/>
           <pc:sldMk cId="0" sldId="264"/>
@@ -2018,318 +2015,6 @@
       <p:sp>
         <p:nvSpPr>
           <p:cNvPr id="85" name="Google Shape;85;g2a25bdfc337_0_14:notes"/>
-          <p:cNvSpPr txBox="1">
-            <a:spLocks noGrp="1"/>
-          </p:cNvSpPr>
-          <p:nvPr>
-            <p:ph type="body" idx="1"/>
-          </p:nvPr>
-        </p:nvSpPr>
-        <p:spPr>
-          <a:xfrm>
-            <a:off x="685800" y="4343400"/>
-            <a:ext cx="5486400" cy="4114800"/>
-          </a:xfrm>
-          <a:prstGeom prst="rect">
-            <a:avLst/>
-          </a:prstGeom>
-        </p:spPr>
-        <p:txBody>
-          <a:bodyPr spcFirstLastPara="1" wrap="square" lIns="91425" tIns="91425" rIns="91425" bIns="91425" anchor="t" anchorCtr="0">
-            <a:noAutofit/>
-          </a:bodyPr>
-          <a:lstStyle/>
-          <a:p>
-            <a:pPr marL="0" lvl="0" indent="0" algn="l" rtl="0">
-              <a:spcBef>
-                <a:spcPts val="0"/>
-              </a:spcBef>
-              <a:spcAft>
-                <a:spcPts val="0"/>
-              </a:spcAft>
-              <a:buNone/>
-            </a:pPr>
-            <a:endParaRPr/>
-          </a:p>
-        </p:txBody>
-      </p:sp>
-    </p:spTree>
-  </p:cSld>
-  <p:clrMapOvr>
-    <a:masterClrMapping/>
-  </p:clrMapOvr>
-</p:notes>
-</file>
-
-<file path=ppt/notesSlides/notesSlide7.xml><?xml version="1.0" encoding="utf-8"?>
-<p:notes xmlns:a="http://schemas.openxmlformats.org/drawingml/2006/main" xmlns:r="http://schemas.openxmlformats.org/officeDocument/2006/relationships" xmlns:p="http://schemas.openxmlformats.org/presentationml/2006/main" showMasterSp="0" showMasterPhAnim="0">
-  <p:cSld>
-    <p:spTree>
-      <p:nvGrpSpPr>
-        <p:cNvPr id="1" name="Shape 89"/>
-        <p:cNvGrpSpPr/>
-        <p:nvPr/>
-      </p:nvGrpSpPr>
-      <p:grpSpPr>
-        <a:xfrm>
-          <a:off x="0" y="0"/>
-          <a:ext cx="0" cy="0"/>
-          <a:chOff x="0" y="0"/>
-          <a:chExt cx="0" cy="0"/>
-        </a:xfrm>
-      </p:grpSpPr>
-      <p:sp>
-        <p:nvSpPr>
-          <p:cNvPr id="90" name="Google Shape;90;g2a25bdfc337_0_0:notes"/>
-          <p:cNvSpPr>
-            <a:spLocks noGrp="1" noRot="1" noChangeAspect="1"/>
-          </p:cNvSpPr>
-          <p:nvPr>
-            <p:ph type="sldImg" idx="2"/>
-          </p:nvPr>
-        </p:nvSpPr>
-        <p:spPr>
-          <a:xfrm>
-            <a:off x="381000" y="685800"/>
-            <a:ext cx="6096000" cy="3429000"/>
-          </a:xfrm>
-          <a:custGeom>
-            <a:avLst/>
-            <a:gdLst/>
-            <a:ahLst/>
-            <a:cxnLst/>
-            <a:rect l="l" t="t" r="r" b="b"/>
-            <a:pathLst>
-              <a:path w="120000" h="120000" extrusionOk="0">
-                <a:moveTo>
-                  <a:pt x="0" y="0"/>
-                </a:moveTo>
-                <a:lnTo>
-                  <a:pt x="120000" y="0"/>
-                </a:lnTo>
-                <a:lnTo>
-                  <a:pt x="120000" y="120000"/>
-                </a:lnTo>
-                <a:lnTo>
-                  <a:pt x="0" y="120000"/>
-                </a:lnTo>
-                <a:close/>
-              </a:path>
-            </a:pathLst>
-          </a:custGeom>
-        </p:spPr>
-      </p:sp>
-      <p:sp>
-        <p:nvSpPr>
-          <p:cNvPr id="91" name="Google Shape;91;g2a25bdfc337_0_0:notes"/>
-          <p:cNvSpPr txBox="1">
-            <a:spLocks noGrp="1"/>
-          </p:cNvSpPr>
-          <p:nvPr>
-            <p:ph type="body" idx="1"/>
-          </p:nvPr>
-        </p:nvSpPr>
-        <p:spPr>
-          <a:xfrm>
-            <a:off x="685800" y="4343400"/>
-            <a:ext cx="5486400" cy="4114800"/>
-          </a:xfrm>
-          <a:prstGeom prst="rect">
-            <a:avLst/>
-          </a:prstGeom>
-        </p:spPr>
-        <p:txBody>
-          <a:bodyPr spcFirstLastPara="1" wrap="square" lIns="91425" tIns="91425" rIns="91425" bIns="91425" anchor="t" anchorCtr="0">
-            <a:noAutofit/>
-          </a:bodyPr>
-          <a:lstStyle/>
-          <a:p>
-            <a:pPr marL="0" lvl="0" indent="0" algn="l" rtl="0">
-              <a:spcBef>
-                <a:spcPts val="0"/>
-              </a:spcBef>
-              <a:spcAft>
-                <a:spcPts val="0"/>
-              </a:spcAft>
-              <a:buNone/>
-            </a:pPr>
-            <a:endParaRPr/>
-          </a:p>
-        </p:txBody>
-      </p:sp>
-    </p:spTree>
-  </p:cSld>
-  <p:clrMapOvr>
-    <a:masterClrMapping/>
-  </p:clrMapOvr>
-</p:notes>
-</file>
-
-<file path=ppt/notesSlides/notesSlide8.xml><?xml version="1.0" encoding="utf-8"?>
-<p:notes xmlns:a="http://schemas.openxmlformats.org/drawingml/2006/main" xmlns:r="http://schemas.openxmlformats.org/officeDocument/2006/relationships" xmlns:p="http://schemas.openxmlformats.org/presentationml/2006/main" showMasterSp="0" showMasterPhAnim="0">
-  <p:cSld>
-    <p:spTree>
-      <p:nvGrpSpPr>
-        <p:cNvPr id="1" name="Shape 95"/>
-        <p:cNvGrpSpPr/>
-        <p:nvPr/>
-      </p:nvGrpSpPr>
-      <p:grpSpPr>
-        <a:xfrm>
-          <a:off x="0" y="0"/>
-          <a:ext cx="0" cy="0"/>
-          <a:chOff x="0" y="0"/>
-          <a:chExt cx="0" cy="0"/>
-        </a:xfrm>
-      </p:grpSpPr>
-      <p:sp>
-        <p:nvSpPr>
-          <p:cNvPr id="96" name="Google Shape;96;g2a25bdfc337_0_18:notes"/>
-          <p:cNvSpPr>
-            <a:spLocks noGrp="1" noRot="1" noChangeAspect="1"/>
-          </p:cNvSpPr>
-          <p:nvPr>
-            <p:ph type="sldImg" idx="2"/>
-          </p:nvPr>
-        </p:nvSpPr>
-        <p:spPr>
-          <a:xfrm>
-            <a:off x="381000" y="685800"/>
-            <a:ext cx="6096000" cy="3429000"/>
-          </a:xfrm>
-          <a:custGeom>
-            <a:avLst/>
-            <a:gdLst/>
-            <a:ahLst/>
-            <a:cxnLst/>
-            <a:rect l="l" t="t" r="r" b="b"/>
-            <a:pathLst>
-              <a:path w="120000" h="120000" extrusionOk="0">
-                <a:moveTo>
-                  <a:pt x="0" y="0"/>
-                </a:moveTo>
-                <a:lnTo>
-                  <a:pt x="120000" y="0"/>
-                </a:lnTo>
-                <a:lnTo>
-                  <a:pt x="120000" y="120000"/>
-                </a:lnTo>
-                <a:lnTo>
-                  <a:pt x="0" y="120000"/>
-                </a:lnTo>
-                <a:close/>
-              </a:path>
-            </a:pathLst>
-          </a:custGeom>
-        </p:spPr>
-      </p:sp>
-      <p:sp>
-        <p:nvSpPr>
-          <p:cNvPr id="97" name="Google Shape;97;g2a25bdfc337_0_18:notes"/>
-          <p:cNvSpPr txBox="1">
-            <a:spLocks noGrp="1"/>
-          </p:cNvSpPr>
-          <p:nvPr>
-            <p:ph type="body" idx="1"/>
-          </p:nvPr>
-        </p:nvSpPr>
-        <p:spPr>
-          <a:xfrm>
-            <a:off x="685800" y="4343400"/>
-            <a:ext cx="5486400" cy="4114800"/>
-          </a:xfrm>
-          <a:prstGeom prst="rect">
-            <a:avLst/>
-          </a:prstGeom>
-        </p:spPr>
-        <p:txBody>
-          <a:bodyPr spcFirstLastPara="1" wrap="square" lIns="91425" tIns="91425" rIns="91425" bIns="91425" anchor="t" anchorCtr="0">
-            <a:noAutofit/>
-          </a:bodyPr>
-          <a:lstStyle/>
-          <a:p>
-            <a:pPr marL="0" lvl="0" indent="0" algn="l" rtl="0">
-              <a:spcBef>
-                <a:spcPts val="0"/>
-              </a:spcBef>
-              <a:spcAft>
-                <a:spcPts val="0"/>
-              </a:spcAft>
-              <a:buNone/>
-            </a:pPr>
-            <a:endParaRPr/>
-          </a:p>
-        </p:txBody>
-      </p:sp>
-    </p:spTree>
-  </p:cSld>
-  <p:clrMapOvr>
-    <a:masterClrMapping/>
-  </p:clrMapOvr>
-</p:notes>
-</file>
-
-<file path=ppt/notesSlides/notesSlide9.xml><?xml version="1.0" encoding="utf-8"?>
-<p:notes xmlns:a="http://schemas.openxmlformats.org/drawingml/2006/main" xmlns:r="http://schemas.openxmlformats.org/officeDocument/2006/relationships" xmlns:p="http://schemas.openxmlformats.org/presentationml/2006/main" showMasterSp="0" showMasterPhAnim="0">
-  <p:cSld>
-    <p:spTree>
-      <p:nvGrpSpPr>
-        <p:cNvPr id="1" name="Shape 101"/>
-        <p:cNvGrpSpPr/>
-        <p:nvPr/>
-      </p:nvGrpSpPr>
-      <p:grpSpPr>
-        <a:xfrm>
-          <a:off x="0" y="0"/>
-          <a:ext cx="0" cy="0"/>
-          <a:chOff x="0" y="0"/>
-          <a:chExt cx="0" cy="0"/>
-        </a:xfrm>
-      </p:grpSpPr>
-      <p:sp>
-        <p:nvSpPr>
-          <p:cNvPr id="102" name="Google Shape;102;g2a25bdfc355_4_1:notes"/>
-          <p:cNvSpPr>
-            <a:spLocks noGrp="1" noRot="1" noChangeAspect="1"/>
-          </p:cNvSpPr>
-          <p:nvPr>
-            <p:ph type="sldImg" idx="2"/>
-          </p:nvPr>
-        </p:nvSpPr>
-        <p:spPr>
-          <a:xfrm>
-            <a:off x="381000" y="685800"/>
-            <a:ext cx="6096000" cy="3429000"/>
-          </a:xfrm>
-          <a:custGeom>
-            <a:avLst/>
-            <a:gdLst/>
-            <a:ahLst/>
-            <a:cxnLst/>
-            <a:rect l="l" t="t" r="r" b="b"/>
-            <a:pathLst>
-              <a:path w="120000" h="120000" extrusionOk="0">
-                <a:moveTo>
-                  <a:pt x="0" y="0"/>
-                </a:moveTo>
-                <a:lnTo>
-                  <a:pt x="120000" y="0"/>
-                </a:lnTo>
-                <a:lnTo>
-                  <a:pt x="120000" y="120000"/>
-                </a:lnTo>
-                <a:lnTo>
-                  <a:pt x="0" y="120000"/>
-                </a:lnTo>
-                <a:close/>
-              </a:path>
-            </a:pathLst>
-          </a:custGeom>
-        </p:spPr>
-      </p:sp>
-      <p:sp>
-        <p:nvSpPr>
-          <p:cNvPr id="103" name="Google Shape;103;g2a25bdfc355_4_1:notes"/>
           <p:cNvSpPr txBox="1">
             <a:spLocks noGrp="1"/>
           </p:cNvSpPr>
@@ -7403,165 +7088,6 @@
 </p:sld>
 </file>
 
-<file path=ppt/slides/slide10.xml><?xml version="1.0" encoding="utf-8"?>
-<p:sld xmlns:a="http://schemas.openxmlformats.org/drawingml/2006/main" xmlns:r="http://schemas.openxmlformats.org/officeDocument/2006/relationships" xmlns:p="http://schemas.openxmlformats.org/presentationml/2006/main">
-  <p:cSld>
-    <p:spTree>
-      <p:nvGrpSpPr>
-        <p:cNvPr id="1" name="Shape 104"/>
-        <p:cNvGrpSpPr/>
-        <p:nvPr/>
-      </p:nvGrpSpPr>
-      <p:grpSpPr>
-        <a:xfrm>
-          <a:off x="0" y="0"/>
-          <a:ext cx="0" cy="0"/>
-          <a:chOff x="0" y="0"/>
-          <a:chExt cx="0" cy="0"/>
-        </a:xfrm>
-      </p:grpSpPr>
-      <p:sp>
-        <p:nvSpPr>
-          <p:cNvPr id="105" name="Google Shape;105;p21"/>
-          <p:cNvSpPr txBox="1"/>
-          <p:nvPr/>
-        </p:nvSpPr>
-        <p:spPr>
-          <a:xfrm>
-            <a:off x="1024200" y="689550"/>
-            <a:ext cx="6143100" cy="3301800"/>
-          </a:xfrm>
-          <a:prstGeom prst="rect">
-            <a:avLst/>
-          </a:prstGeom>
-          <a:noFill/>
-          <a:ln>
-            <a:noFill/>
-          </a:ln>
-        </p:spPr>
-        <p:txBody>
-          <a:bodyPr spcFirstLastPara="1" wrap="square" lIns="91425" tIns="91425" rIns="91425" bIns="91425" anchor="t" anchorCtr="0">
-            <a:noAutofit/>
-          </a:bodyPr>
-          <a:lstStyle/>
-          <a:p>
-            <a:pPr marL="0" lvl="0" indent="0" algn="l" rtl="0">
-              <a:spcBef>
-                <a:spcPts val="0"/>
-              </a:spcBef>
-              <a:spcAft>
-                <a:spcPts val="0"/>
-              </a:spcAft>
-              <a:buNone/>
-            </a:pPr>
-            <a:r>
-              <a:rPr lang="zh-CN" sz="1800">
-                <a:solidFill>
-                  <a:schemeClr val="dk2"/>
-                </a:solidFill>
-              </a:rPr>
-              <a:t>bug：</a:t>
-            </a:r>
-            <a:endParaRPr sz="1800">
-              <a:solidFill>
-                <a:schemeClr val="dk2"/>
-              </a:solidFill>
-            </a:endParaRPr>
-          </a:p>
-          <a:p>
-            <a:pPr marL="457200" lvl="0" indent="-342900" algn="l" rtl="0">
-              <a:spcBef>
-                <a:spcPts val="0"/>
-              </a:spcBef>
-              <a:spcAft>
-                <a:spcPts val="0"/>
-              </a:spcAft>
-              <a:buClr>
-                <a:schemeClr val="dk2"/>
-              </a:buClr>
-              <a:buSzPts val="1800"/>
-              <a:buAutoNum type="arabicPeriod"/>
-            </a:pPr>
-            <a:r>
-              <a:rPr lang="zh-CN" sz="1800">
-                <a:solidFill>
-                  <a:schemeClr val="dk2"/>
-                </a:solidFill>
-              </a:rPr>
-              <a:t>post item图片问题</a:t>
-            </a:r>
-            <a:endParaRPr sz="1800">
-              <a:solidFill>
-                <a:schemeClr val="dk2"/>
-              </a:solidFill>
-            </a:endParaRPr>
-          </a:p>
-          <a:p>
-            <a:pPr marL="457200" lvl="0" indent="-342900" algn="l" rtl="0">
-              <a:spcBef>
-                <a:spcPts val="0"/>
-              </a:spcBef>
-              <a:spcAft>
-                <a:spcPts val="0"/>
-              </a:spcAft>
-              <a:buClr>
-                <a:schemeClr val="dk2"/>
-              </a:buClr>
-              <a:buSzPts val="1800"/>
-              <a:buAutoNum type="arabicPeriod"/>
-            </a:pPr>
-            <a:r>
-              <a:rPr lang="zh-CN" sz="1800">
-                <a:solidFill>
-                  <a:schemeClr val="dk2"/>
-                </a:solidFill>
-              </a:rPr>
-              <a:t>(optional) paypal payment</a:t>
-            </a:r>
-            <a:endParaRPr sz="1800">
-              <a:solidFill>
-                <a:schemeClr val="dk2"/>
-              </a:solidFill>
-            </a:endParaRPr>
-          </a:p>
-          <a:p>
-            <a:pPr marL="457200" lvl="0" indent="-342900" algn="l" rtl="0">
-              <a:spcBef>
-                <a:spcPts val="0"/>
-              </a:spcBef>
-              <a:spcAft>
-                <a:spcPts val="0"/>
-              </a:spcAft>
-              <a:buClr>
-                <a:schemeClr val="dk2"/>
-              </a:buClr>
-              <a:buSzPts val="1800"/>
-              <a:buAutoNum type="arabicPeriod"/>
-            </a:pPr>
-            <a:r>
-              <a:rPr lang="zh-CN" sz="1800">
-                <a:solidFill>
-                  <a:schemeClr val="dk2"/>
-                </a:solidFill>
-              </a:rPr>
-              <a:t>bid: agree和disagree</a:t>
-            </a:r>
-            <a:endParaRPr sz="1800">
-              <a:solidFill>
-                <a:schemeClr val="dk2"/>
-              </a:solidFill>
-            </a:endParaRPr>
-          </a:p>
-        </p:txBody>
-      </p:sp>
-    </p:spTree>
-  </p:cSld>
-  <p:clrMapOvr>
-    <a:masterClrMapping/>
-  </p:clrMapOvr>
-</p:sld>
-</file>
-
 <file path=ppt/slides/slide2.xml><?xml version="1.0" encoding="utf-8"?>
 <p:sld xmlns:a="http://schemas.openxmlformats.org/drawingml/2006/main" xmlns:r="http://schemas.openxmlformats.org/officeDocument/2006/relationships" xmlns:p="http://schemas.openxmlformats.org/presentationml/2006/main">
   <p:cSld>
@@ -7586,7 +7112,7 @@
           <p:nvPr>
             <p:extLst>
               <p:ext uri="{D42A27DB-BD31-4B8C-83A1-F6EECF244321}">
-                <p14:modId xmlns:p14="http://schemas.microsoft.com/office/powerpoint/2010/main" val="1102166337"/>
+                <p14:modId xmlns:p14="http://schemas.microsoft.com/office/powerpoint/2010/main" val="1352280297"/>
               </p:ext>
             </p:extLst>
           </p:nvPr>
@@ -7758,7 +7284,7 @@
                     <a:bodyPr/>
                     <a:lstStyle/>
                     <a:p>
-                      <a:pPr marL="0" lvl="0" indent="0" algn="l" rtl="0">
+                      <a:pPr marL="0" lvl="0" indent="0" algn="ctr" rtl="0">
                         <a:spcBef>
                           <a:spcPts val="0"/>
                         </a:spcBef>
@@ -7847,7 +7373,7 @@
                     <a:bodyPr/>
                     <a:lstStyle/>
                     <a:p>
-                      <a:pPr marL="0" lvl="0" indent="0" algn="l" rtl="0">
+                      <a:pPr marL="0" lvl="0" indent="0" algn="ctr" rtl="0">
                         <a:spcBef>
                           <a:spcPts val="0"/>
                         </a:spcBef>
@@ -7936,7 +7462,7 @@
                     <a:bodyPr/>
                     <a:lstStyle/>
                     <a:p>
-                      <a:pPr marL="0" lvl="0" indent="0" algn="l" rtl="0">
+                      <a:pPr marL="0" lvl="0" indent="0" algn="ctr" rtl="0">
                         <a:spcBef>
                           <a:spcPts val="0"/>
                         </a:spcBef>
@@ -8005,10 +7531,10 @@
                         <a:buNone/>
                       </a:pPr>
                       <a:r>
-                        <a:rPr lang="zh-CN" sz="1800"/>
+                        <a:rPr lang="zh-CN" sz="1800" dirty="0"/>
                         <a:t>Database Initialization;Chat Bot Integration</a:t>
                       </a:r>
-                      <a:endParaRPr sz="1800"/>
+                      <a:endParaRPr sz="1800" dirty="0"/>
                     </a:p>
                   </a:txBody>
                   <a:tcPr marL="91425" marR="91425" marT="91425" marB="91425"/>
@@ -8025,7 +7551,7 @@
                     <a:bodyPr/>
                     <a:lstStyle/>
                     <a:p>
-                      <a:pPr marL="0" lvl="0" indent="0" algn="l" rtl="0">
+                      <a:pPr marL="0" lvl="0" indent="0" algn="ctr" rtl="0">
                         <a:spcBef>
                           <a:spcPts val="0"/>
                         </a:spcBef>
@@ -9398,807 +8924,6 @@
 </p:sld>
 </file>
 
-<file path=ppt/slides/slide8.xml><?xml version="1.0" encoding="utf-8"?>
-<p:sld xmlns:a="http://schemas.openxmlformats.org/drawingml/2006/main" xmlns:r="http://schemas.openxmlformats.org/officeDocument/2006/relationships" xmlns:p="http://schemas.openxmlformats.org/presentationml/2006/main">
-  <p:cSld>
-    <p:spTree>
-      <p:nvGrpSpPr>
-        <p:cNvPr id="1" name="Shape 92"/>
-        <p:cNvGrpSpPr/>
-        <p:nvPr/>
-      </p:nvGrpSpPr>
-      <p:grpSpPr>
-        <a:xfrm>
-          <a:off x="0" y="0"/>
-          <a:ext cx="0" cy="0"/>
-          <a:chOff x="0" y="0"/>
-          <a:chExt cx="0" cy="0"/>
-        </a:xfrm>
-      </p:grpSpPr>
-      <p:pic>
-        <p:nvPicPr>
-          <p:cNvPr id="93" name="Google Shape;93;p19"/>
-          <p:cNvPicPr preferRelativeResize="0"/>
-          <p:nvPr/>
-        </p:nvPicPr>
-        <p:blipFill>
-          <a:blip r:embed="rId3">
-            <a:alphaModFix/>
-          </a:blip>
-          <a:stretch>
-            <a:fillRect/>
-          </a:stretch>
-        </p:blipFill>
-        <p:spPr>
-          <a:xfrm>
-            <a:off x="511163" y="115400"/>
-            <a:ext cx="2235065" cy="4838702"/>
-          </a:xfrm>
-          <a:prstGeom prst="rect">
-            <a:avLst/>
-          </a:prstGeom>
-          <a:noFill/>
-          <a:ln>
-            <a:noFill/>
-          </a:ln>
-        </p:spPr>
-      </p:pic>
-      <p:sp>
-        <p:nvSpPr>
-          <p:cNvPr id="94" name="Google Shape;94;p19"/>
-          <p:cNvSpPr txBox="1"/>
-          <p:nvPr/>
-        </p:nvSpPr>
-        <p:spPr>
-          <a:xfrm>
-            <a:off x="3700975" y="1347800"/>
-            <a:ext cx="4677300" cy="2928600"/>
-          </a:xfrm>
-          <a:prstGeom prst="rect">
-            <a:avLst/>
-          </a:prstGeom>
-          <a:noFill/>
-          <a:ln>
-            <a:noFill/>
-          </a:ln>
-        </p:spPr>
-        <p:txBody>
-          <a:bodyPr spcFirstLastPara="1" wrap="square" lIns="91425" tIns="91425" rIns="91425" bIns="91425" anchor="t" anchorCtr="0">
-            <a:noAutofit/>
-          </a:bodyPr>
-          <a:lstStyle/>
-          <a:p>
-            <a:pPr marL="0" lvl="0" indent="0" algn="l" rtl="0">
-              <a:spcBef>
-                <a:spcPts val="0"/>
-              </a:spcBef>
-              <a:spcAft>
-                <a:spcPts val="0"/>
-              </a:spcAft>
-              <a:buNone/>
-            </a:pPr>
-            <a:r>
-              <a:rPr lang="zh-CN" sz="1800">
-                <a:solidFill>
-                  <a:schemeClr val="dk2"/>
-                </a:solidFill>
-              </a:rPr>
-              <a:t>Content:</a:t>
-            </a:r>
-            <a:endParaRPr sz="1800">
-              <a:solidFill>
-                <a:schemeClr val="dk2"/>
-              </a:solidFill>
-            </a:endParaRPr>
-          </a:p>
-          <a:p>
-            <a:pPr marL="0" lvl="0" indent="0" algn="l" rtl="0">
-              <a:spcBef>
-                <a:spcPts val="0"/>
-              </a:spcBef>
-              <a:spcAft>
-                <a:spcPts val="0"/>
-              </a:spcAft>
-              <a:buNone/>
-            </a:pPr>
-            <a:endParaRPr sz="1800">
-              <a:solidFill>
-                <a:schemeClr val="dk2"/>
-              </a:solidFill>
-            </a:endParaRPr>
-          </a:p>
-          <a:p>
-            <a:pPr marL="457200" lvl="0" indent="-342900" algn="l" rtl="0">
-              <a:spcBef>
-                <a:spcPts val="0"/>
-              </a:spcBef>
-              <a:spcAft>
-                <a:spcPts val="0"/>
-              </a:spcAft>
-              <a:buClr>
-                <a:schemeClr val="dk2"/>
-              </a:buClr>
-              <a:buSzPts val="1800"/>
-              <a:buAutoNum type="arabicPeriod"/>
-            </a:pPr>
-            <a:r>
-              <a:rPr lang="zh-CN" sz="1800">
-                <a:solidFill>
-                  <a:schemeClr val="dk2"/>
-                </a:solidFill>
-              </a:rPr>
-              <a:t>Introducing Team with Role - Huang</a:t>
-            </a:r>
-            <a:endParaRPr sz="1800">
-              <a:solidFill>
-                <a:schemeClr val="dk2"/>
-              </a:solidFill>
-            </a:endParaRPr>
-          </a:p>
-          <a:p>
-            <a:pPr marL="457200" lvl="0" indent="-342900" algn="l" rtl="0">
-              <a:spcBef>
-                <a:spcPts val="0"/>
-              </a:spcBef>
-              <a:spcAft>
-                <a:spcPts val="0"/>
-              </a:spcAft>
-              <a:buClr>
-                <a:schemeClr val="dk2"/>
-              </a:buClr>
-              <a:buSzPts val="1800"/>
-              <a:buAutoNum type="arabicPeriod"/>
-            </a:pPr>
-            <a:r>
-              <a:rPr lang="zh-CN" sz="1800">
-                <a:solidFill>
-                  <a:schemeClr val="dk2"/>
-                </a:solidFill>
-              </a:rPr>
-              <a:t>Logical design (ER diagram) - Huang</a:t>
-            </a:r>
-            <a:endParaRPr sz="1800">
-              <a:solidFill>
-                <a:schemeClr val="dk2"/>
-              </a:solidFill>
-            </a:endParaRPr>
-          </a:p>
-          <a:p>
-            <a:pPr marL="457200" lvl="0" indent="-342900" algn="l" rtl="0">
-              <a:spcBef>
-                <a:spcPts val="0"/>
-              </a:spcBef>
-              <a:spcAft>
-                <a:spcPts val="0"/>
-              </a:spcAft>
-              <a:buClr>
-                <a:schemeClr val="dk2"/>
-              </a:buClr>
-              <a:buSzPts val="1800"/>
-              <a:buAutoNum type="arabicPeriod"/>
-            </a:pPr>
-            <a:r>
-              <a:rPr lang="zh-CN" sz="1800">
-                <a:solidFill>
-                  <a:schemeClr val="dk2"/>
-                </a:solidFill>
-                <a:highlight>
-                  <a:srgbClr val="FFFF00"/>
-                </a:highlight>
-              </a:rPr>
-              <a:t>Relational schema diagram + physical database design</a:t>
-            </a:r>
-            <a:r>
-              <a:rPr lang="zh-CN" sz="1800">
-                <a:solidFill>
-                  <a:schemeClr val="dk2"/>
-                </a:solidFill>
-              </a:rPr>
-              <a:t> - Bei</a:t>
-            </a:r>
-            <a:endParaRPr sz="1800">
-              <a:solidFill>
-                <a:schemeClr val="dk2"/>
-              </a:solidFill>
-            </a:endParaRPr>
-          </a:p>
-          <a:p>
-            <a:pPr marL="457200" lvl="0" indent="-342900" algn="l" rtl="0">
-              <a:spcBef>
-                <a:spcPts val="0"/>
-              </a:spcBef>
-              <a:spcAft>
-                <a:spcPts val="0"/>
-              </a:spcAft>
-              <a:buClr>
-                <a:schemeClr val="dk2"/>
-              </a:buClr>
-              <a:buSzPts val="1800"/>
-              <a:buAutoNum type="arabicPeriod"/>
-            </a:pPr>
-            <a:r>
-              <a:rPr lang="zh-CN" sz="1800">
-                <a:solidFill>
-                  <a:schemeClr val="dk2"/>
-                </a:solidFill>
-              </a:rPr>
-              <a:t>Characteristics (Architecture diagram) - Chen</a:t>
-            </a:r>
-            <a:endParaRPr sz="1800">
-              <a:solidFill>
-                <a:schemeClr val="dk2"/>
-              </a:solidFill>
-            </a:endParaRPr>
-          </a:p>
-          <a:p>
-            <a:pPr marL="457200" lvl="0" indent="-342900" algn="l" rtl="0">
-              <a:spcBef>
-                <a:spcPts val="0"/>
-              </a:spcBef>
-              <a:spcAft>
-                <a:spcPts val="0"/>
-              </a:spcAft>
-              <a:buClr>
-                <a:schemeClr val="dk2"/>
-              </a:buClr>
-              <a:buSzPts val="1800"/>
-              <a:buAutoNum type="arabicPeriod"/>
-            </a:pPr>
-            <a:r>
-              <a:rPr lang="zh-CN" sz="1800">
-                <a:solidFill>
-                  <a:schemeClr val="dk2"/>
-                </a:solidFill>
-              </a:rPr>
-              <a:t>Demo - Cui (4min)</a:t>
-            </a:r>
-            <a:endParaRPr sz="1800">
-              <a:solidFill>
-                <a:schemeClr val="dk2"/>
-              </a:solidFill>
-            </a:endParaRPr>
-          </a:p>
-        </p:txBody>
-      </p:sp>
-    </p:spTree>
-  </p:cSld>
-  <p:clrMapOvr>
-    <a:masterClrMapping/>
-  </p:clrMapOvr>
-</p:sld>
-</file>
-
-<file path=ppt/slides/slide9.xml><?xml version="1.0" encoding="utf-8"?>
-<p:sld xmlns:a="http://schemas.openxmlformats.org/drawingml/2006/main" xmlns:r="http://schemas.openxmlformats.org/officeDocument/2006/relationships" xmlns:p="http://schemas.openxmlformats.org/presentationml/2006/main">
-  <p:cSld>
-    <p:spTree>
-      <p:nvGrpSpPr>
-        <p:cNvPr id="1" name="Shape 98"/>
-        <p:cNvGrpSpPr/>
-        <p:nvPr/>
-      </p:nvGrpSpPr>
-      <p:grpSpPr>
-        <a:xfrm>
-          <a:off x="0" y="0"/>
-          <a:ext cx="0" cy="0"/>
-          <a:chOff x="0" y="0"/>
-          <a:chExt cx="0" cy="0"/>
-        </a:xfrm>
-      </p:grpSpPr>
-      <p:sp>
-        <p:nvSpPr>
-          <p:cNvPr id="99" name="Google Shape;99;p20"/>
-          <p:cNvSpPr txBox="1"/>
-          <p:nvPr/>
-        </p:nvSpPr>
-        <p:spPr>
-          <a:xfrm>
-            <a:off x="3388050" y="78350"/>
-            <a:ext cx="4021200" cy="4944600"/>
-          </a:xfrm>
-          <a:prstGeom prst="rect">
-            <a:avLst/>
-          </a:prstGeom>
-          <a:noFill/>
-          <a:ln>
-            <a:noFill/>
-          </a:ln>
-        </p:spPr>
-        <p:txBody>
-          <a:bodyPr spcFirstLastPara="1" wrap="square" lIns="91425" tIns="91425" rIns="91425" bIns="91425" anchor="t" anchorCtr="0">
-            <a:noAutofit/>
-          </a:bodyPr>
-          <a:lstStyle/>
-          <a:p>
-            <a:pPr marL="0" lvl="0" indent="0" algn="l" rtl="0">
-              <a:spcBef>
-                <a:spcPts val="0"/>
-              </a:spcBef>
-              <a:spcAft>
-                <a:spcPts val="0"/>
-              </a:spcAft>
-              <a:buNone/>
-            </a:pPr>
-            <a:r>
-              <a:rPr lang="zh-CN" sz="1800">
-                <a:solidFill>
-                  <a:schemeClr val="dk2"/>
-                </a:solidFill>
-              </a:rPr>
-              <a:t>Demo steps:</a:t>
-            </a:r>
-            <a:endParaRPr sz="1800">
-              <a:solidFill>
-                <a:schemeClr val="dk2"/>
-              </a:solidFill>
-            </a:endParaRPr>
-          </a:p>
-          <a:p>
-            <a:pPr marL="0" lvl="0" indent="0" algn="l" rtl="0">
-              <a:spcBef>
-                <a:spcPts val="0"/>
-              </a:spcBef>
-              <a:spcAft>
-                <a:spcPts val="0"/>
-              </a:spcAft>
-              <a:buNone/>
-            </a:pPr>
-            <a:endParaRPr sz="1800">
-              <a:solidFill>
-                <a:schemeClr val="dk2"/>
-              </a:solidFill>
-            </a:endParaRPr>
-          </a:p>
-          <a:p>
-            <a:pPr marL="0" lvl="0" indent="0" algn="l" rtl="0">
-              <a:spcBef>
-                <a:spcPts val="0"/>
-              </a:spcBef>
-              <a:spcAft>
-                <a:spcPts val="0"/>
-              </a:spcAft>
-              <a:buNone/>
-            </a:pPr>
-            <a:r>
-              <a:rPr lang="zh-CN" sz="1800">
-                <a:solidFill>
-                  <a:schemeClr val="dk2"/>
-                </a:solidFill>
-              </a:rPr>
-              <a:t>Seller:</a:t>
-            </a:r>
-            <a:endParaRPr sz="1800">
-              <a:solidFill>
-                <a:schemeClr val="dk2"/>
-              </a:solidFill>
-            </a:endParaRPr>
-          </a:p>
-          <a:p>
-            <a:pPr marL="457200" lvl="0" indent="-342900" algn="l" rtl="0">
-              <a:spcBef>
-                <a:spcPts val="0"/>
-              </a:spcBef>
-              <a:spcAft>
-                <a:spcPts val="0"/>
-              </a:spcAft>
-              <a:buClr>
-                <a:schemeClr val="dk2"/>
-              </a:buClr>
-              <a:buSzPts val="1800"/>
-              <a:buAutoNum type="arabicPeriod"/>
-            </a:pPr>
-            <a:r>
-              <a:rPr lang="zh-CN" sz="1800">
-                <a:solidFill>
-                  <a:schemeClr val="dk2"/>
-                </a:solidFill>
-              </a:rPr>
-              <a:t>post item </a:t>
-            </a:r>
-            <a:endParaRPr sz="1800">
-              <a:solidFill>
-                <a:schemeClr val="dk2"/>
-              </a:solidFill>
-            </a:endParaRPr>
-          </a:p>
-          <a:p>
-            <a:pPr marL="0" lvl="0" indent="0" algn="l" rtl="0">
-              <a:spcBef>
-                <a:spcPts val="0"/>
-              </a:spcBef>
-              <a:spcAft>
-                <a:spcPts val="0"/>
-              </a:spcAft>
-              <a:buNone/>
-            </a:pPr>
-            <a:endParaRPr sz="1800">
-              <a:solidFill>
-                <a:schemeClr val="dk2"/>
-              </a:solidFill>
-            </a:endParaRPr>
-          </a:p>
-          <a:p>
-            <a:pPr marL="0" lvl="0" indent="0" algn="l" rtl="0">
-              <a:spcBef>
-                <a:spcPts val="0"/>
-              </a:spcBef>
-              <a:spcAft>
-                <a:spcPts val="0"/>
-              </a:spcAft>
-              <a:buNone/>
-            </a:pPr>
-            <a:r>
-              <a:rPr lang="zh-CN" sz="1800">
-                <a:solidFill>
-                  <a:schemeClr val="dk2"/>
-                </a:solidFill>
-              </a:rPr>
-              <a:t>Buyer:</a:t>
-            </a:r>
-            <a:endParaRPr sz="1800">
-              <a:solidFill>
-                <a:schemeClr val="dk2"/>
-              </a:solidFill>
-            </a:endParaRPr>
-          </a:p>
-          <a:p>
-            <a:pPr marL="457200" lvl="0" indent="-342900" algn="l" rtl="0">
-              <a:spcBef>
-                <a:spcPts val="0"/>
-              </a:spcBef>
-              <a:spcAft>
-                <a:spcPts val="0"/>
-              </a:spcAft>
-              <a:buClr>
-                <a:schemeClr val="dk2"/>
-              </a:buClr>
-              <a:buSzPts val="1800"/>
-              <a:buAutoNum type="arabicPeriod"/>
-            </a:pPr>
-            <a:r>
-              <a:rPr lang="zh-CN" sz="1800">
-                <a:solidFill>
-                  <a:schemeClr val="dk2"/>
-                </a:solidFill>
-              </a:rPr>
-              <a:t>sign up + sign in + profile</a:t>
-            </a:r>
-            <a:endParaRPr sz="1800">
-              <a:solidFill>
-                <a:schemeClr val="dk2"/>
-              </a:solidFill>
-            </a:endParaRPr>
-          </a:p>
-          <a:p>
-            <a:pPr marL="457200" lvl="0" indent="-342900" algn="l" rtl="0">
-              <a:spcBef>
-                <a:spcPts val="0"/>
-              </a:spcBef>
-              <a:spcAft>
-                <a:spcPts val="0"/>
-              </a:spcAft>
-              <a:buClr>
-                <a:schemeClr val="dk2"/>
-              </a:buClr>
-              <a:buSzPts val="1800"/>
-              <a:buAutoNum type="arabicPeriod"/>
-            </a:pPr>
-            <a:r>
-              <a:rPr lang="zh-CN" sz="1800">
-                <a:solidFill>
-                  <a:schemeClr val="dk2"/>
-                </a:solidFill>
-              </a:rPr>
-              <a:t>search</a:t>
-            </a:r>
-            <a:endParaRPr sz="1800">
-              <a:solidFill>
-                <a:schemeClr val="dk2"/>
-              </a:solidFill>
-            </a:endParaRPr>
-          </a:p>
-          <a:p>
-            <a:pPr marL="457200" lvl="0" indent="-342900" algn="l" rtl="0">
-              <a:spcBef>
-                <a:spcPts val="0"/>
-              </a:spcBef>
-              <a:spcAft>
-                <a:spcPts val="0"/>
-              </a:spcAft>
-              <a:buClr>
-                <a:schemeClr val="dk2"/>
-              </a:buClr>
-              <a:buSzPts val="1800"/>
-              <a:buAutoNum type="arabicPeriod"/>
-            </a:pPr>
-            <a:r>
-              <a:rPr lang="zh-CN" sz="1800">
-                <a:solidFill>
-                  <a:schemeClr val="dk2"/>
-                </a:solidFill>
-              </a:rPr>
-              <a:t>check seller profile</a:t>
-            </a:r>
-            <a:endParaRPr sz="1800">
-              <a:solidFill>
-                <a:schemeClr val="dk2"/>
-              </a:solidFill>
-            </a:endParaRPr>
-          </a:p>
-          <a:p>
-            <a:pPr marL="457200" lvl="0" indent="-342900" algn="l" rtl="0">
-              <a:spcBef>
-                <a:spcPts val="0"/>
-              </a:spcBef>
-              <a:spcAft>
-                <a:spcPts val="0"/>
-              </a:spcAft>
-              <a:buClr>
-                <a:schemeClr val="dk2"/>
-              </a:buClr>
-              <a:buSzPts val="1800"/>
-              <a:buAutoNum type="arabicPeriod"/>
-            </a:pPr>
-            <a:r>
-              <a:rPr lang="zh-CN" sz="1800">
-                <a:solidFill>
-                  <a:schemeClr val="dk2"/>
-                </a:solidFill>
-              </a:rPr>
-              <a:t>message seller</a:t>
-            </a:r>
-            <a:endParaRPr sz="1800">
-              <a:solidFill>
-                <a:schemeClr val="dk2"/>
-              </a:solidFill>
-            </a:endParaRPr>
-          </a:p>
-          <a:p>
-            <a:pPr marL="457200" lvl="0" indent="-342900" algn="l" rtl="0">
-              <a:spcBef>
-                <a:spcPts val="0"/>
-              </a:spcBef>
-              <a:spcAft>
-                <a:spcPts val="0"/>
-              </a:spcAft>
-              <a:buClr>
-                <a:schemeClr val="dk2"/>
-              </a:buClr>
-              <a:buSzPts val="1800"/>
-              <a:buAutoNum type="arabicPeriod"/>
-            </a:pPr>
-            <a:r>
-              <a:rPr lang="zh-CN" sz="1800">
-                <a:solidFill>
-                  <a:schemeClr val="dk2"/>
-                </a:solidFill>
-              </a:rPr>
-              <a:t>bidding + order history</a:t>
-            </a:r>
-            <a:endParaRPr sz="1800">
-              <a:solidFill>
-                <a:schemeClr val="dk2"/>
-              </a:solidFill>
-            </a:endParaRPr>
-          </a:p>
-          <a:p>
-            <a:pPr marL="457200" lvl="0" indent="0" algn="l" rtl="0">
-              <a:spcBef>
-                <a:spcPts val="0"/>
-              </a:spcBef>
-              <a:spcAft>
-                <a:spcPts val="0"/>
-              </a:spcAft>
-              <a:buNone/>
-            </a:pPr>
-            <a:r>
-              <a:rPr lang="zh-CN" sz="1800">
-                <a:solidFill>
-                  <a:schemeClr val="dk2"/>
-                </a:solidFill>
-              </a:rPr>
-              <a:t>optional(rating updates)</a:t>
-            </a:r>
-            <a:endParaRPr sz="1800">
-              <a:solidFill>
-                <a:schemeClr val="dk2"/>
-              </a:solidFill>
-            </a:endParaRPr>
-          </a:p>
-          <a:p>
-            <a:pPr marL="457200" lvl="0" indent="-342900" algn="l" rtl="0">
-              <a:spcBef>
-                <a:spcPts val="0"/>
-              </a:spcBef>
-              <a:spcAft>
-                <a:spcPts val="0"/>
-              </a:spcAft>
-              <a:buClr>
-                <a:schemeClr val="dk2"/>
-              </a:buClr>
-              <a:buSzPts val="1800"/>
-              <a:buAutoNum type="arabicPeriod"/>
-            </a:pPr>
-            <a:r>
-              <a:rPr lang="zh-CN" sz="1800">
-                <a:solidFill>
-                  <a:schemeClr val="dk2"/>
-                </a:solidFill>
-              </a:rPr>
-              <a:t>chatbot</a:t>
-            </a:r>
-            <a:endParaRPr sz="1800">
-              <a:solidFill>
-                <a:schemeClr val="dk2"/>
-              </a:solidFill>
-            </a:endParaRPr>
-          </a:p>
-          <a:p>
-            <a:pPr marL="0" lvl="0" indent="0" algn="l" rtl="0">
-              <a:spcBef>
-                <a:spcPts val="0"/>
-              </a:spcBef>
-              <a:spcAft>
-                <a:spcPts val="0"/>
-              </a:spcAft>
-              <a:buNone/>
-            </a:pPr>
-            <a:endParaRPr sz="1800">
-              <a:solidFill>
-                <a:schemeClr val="dk2"/>
-              </a:solidFill>
-            </a:endParaRPr>
-          </a:p>
-          <a:p>
-            <a:pPr marL="0" lvl="0" indent="0" algn="l" rtl="0">
-              <a:spcBef>
-                <a:spcPts val="0"/>
-              </a:spcBef>
-              <a:spcAft>
-                <a:spcPts val="0"/>
-              </a:spcAft>
-              <a:buNone/>
-            </a:pPr>
-            <a:r>
-              <a:rPr lang="zh-CN" sz="1800">
-                <a:solidFill>
-                  <a:schemeClr val="dk2"/>
-                </a:solidFill>
-              </a:rPr>
-              <a:t>Admin </a:t>
-            </a:r>
-            <a:endParaRPr sz="1800">
-              <a:solidFill>
-                <a:schemeClr val="dk2"/>
-              </a:solidFill>
-            </a:endParaRPr>
-          </a:p>
-          <a:p>
-            <a:pPr marL="457200" lvl="0" indent="-342900" algn="l" rtl="0">
-              <a:spcBef>
-                <a:spcPts val="0"/>
-              </a:spcBef>
-              <a:spcAft>
-                <a:spcPts val="0"/>
-              </a:spcAft>
-              <a:buClr>
-                <a:schemeClr val="dk2"/>
-              </a:buClr>
-              <a:buSzPts val="1800"/>
-              <a:buAutoNum type="arabicPeriod"/>
-            </a:pPr>
-            <a:r>
-              <a:rPr lang="zh-CN" sz="1800">
-                <a:solidFill>
-                  <a:schemeClr val="dk2"/>
-                </a:solidFill>
-              </a:rPr>
-              <a:t>sales report</a:t>
-            </a:r>
-            <a:endParaRPr sz="1800">
-              <a:solidFill>
-                <a:schemeClr val="dk2"/>
-              </a:solidFill>
-            </a:endParaRPr>
-          </a:p>
-          <a:p>
-            <a:pPr marL="457200" lvl="0" indent="-342900" algn="l" rtl="0">
-              <a:spcBef>
-                <a:spcPts val="0"/>
-              </a:spcBef>
-              <a:spcAft>
-                <a:spcPts val="0"/>
-              </a:spcAft>
-              <a:buClr>
-                <a:schemeClr val="dk2"/>
-              </a:buClr>
-              <a:buSzPts val="1800"/>
-              <a:buAutoNum type="arabicPeriod"/>
-            </a:pPr>
-            <a:r>
-              <a:rPr lang="zh-CN" sz="1800">
-                <a:solidFill>
-                  <a:schemeClr val="dk2"/>
-                </a:solidFill>
-              </a:rPr>
-              <a:t>database management</a:t>
-            </a:r>
-            <a:endParaRPr sz="1800">
-              <a:solidFill>
-                <a:schemeClr val="dk2"/>
-              </a:solidFill>
-            </a:endParaRPr>
-          </a:p>
-          <a:p>
-            <a:pPr marL="0" lvl="0" indent="0" algn="l" rtl="0">
-              <a:spcBef>
-                <a:spcPts val="0"/>
-              </a:spcBef>
-              <a:spcAft>
-                <a:spcPts val="0"/>
-              </a:spcAft>
-              <a:buNone/>
-            </a:pPr>
-            <a:endParaRPr sz="1800">
-              <a:solidFill>
-                <a:schemeClr val="dk2"/>
-              </a:solidFill>
-            </a:endParaRPr>
-          </a:p>
-          <a:p>
-            <a:pPr marL="0" lvl="0" indent="0" algn="l" rtl="0">
-              <a:spcBef>
-                <a:spcPts val="0"/>
-              </a:spcBef>
-              <a:spcAft>
-                <a:spcPts val="0"/>
-              </a:spcAft>
-              <a:buNone/>
-            </a:pPr>
-            <a:endParaRPr sz="1800">
-              <a:solidFill>
-                <a:schemeClr val="dk2"/>
-              </a:solidFill>
-            </a:endParaRPr>
-          </a:p>
-        </p:txBody>
-      </p:sp>
-      <p:pic>
-        <p:nvPicPr>
-          <p:cNvPr id="100" name="Google Shape;100;p20"/>
-          <p:cNvPicPr preferRelativeResize="0"/>
-          <p:nvPr/>
-        </p:nvPicPr>
-        <p:blipFill>
-          <a:blip r:embed="rId3">
-            <a:alphaModFix/>
-          </a:blip>
-          <a:stretch>
-            <a:fillRect/>
-          </a:stretch>
-        </p:blipFill>
-        <p:spPr>
-          <a:xfrm>
-            <a:off x="445563" y="122675"/>
-            <a:ext cx="2235065" cy="4838702"/>
-          </a:xfrm>
-          <a:prstGeom prst="rect">
-            <a:avLst/>
-          </a:prstGeom>
-          <a:noFill/>
-          <a:ln>
-            <a:noFill/>
-          </a:ln>
-        </p:spPr>
-      </p:pic>
-    </p:spTree>
-  </p:cSld>
-  <p:clrMapOvr>
-    <a:masterClrMapping/>
-  </p:clrMapOvr>
-</p:sld>
-</file>
-
 <file path=ppt/theme/theme1.xml><?xml version="1.0" encoding="utf-8"?>
 <a:theme xmlns:a="http://schemas.openxmlformats.org/drawingml/2006/main" name="Simple Light">
   <a:themeElements>

--- a/res/Group8_Final_Demo.pptx
+++ b/res/Group8_Final_Demo.pptx
@@ -269,7 +269,7 @@
 <file path=ppt/revisionInfo.xml><?xml version="1.0" encoding="utf-8"?>
 <p1510:revInfo xmlns:a="http://schemas.openxmlformats.org/drawingml/2006/main" xmlns:r="http://schemas.openxmlformats.org/officeDocument/2006/relationships" xmlns:p1510="http://schemas.microsoft.com/office/powerpoint/2015/10/main">
   <p1510:revLst>
-    <p1510:client id="{7461025A-60EA-4002-A4A0-3E2AA86254C9}" v="73" dt="2023-12-06T02:43:03.775"/>
+    <p1510:client id="{7461025A-60EA-4002-A4A0-3E2AA86254C9}" v="91" dt="2023-12-06T04:26:22.778"/>
   </p1510:revLst>
 </p1510:revInfo>
 </file>
@@ -279,7 +279,7 @@
   <pc:docChgLst>
     <pc:chgData name="Zeyu Cui" userId="f8ac9f83-9c27-4bbb-a0d1-246ad869a9ef" providerId="ADAL" clId="{7461025A-60EA-4002-A4A0-3E2AA86254C9}"/>
     <pc:docChg chg="undo custSel addSld delSld modSld">
-      <pc:chgData name="Zeyu Cui" userId="f8ac9f83-9c27-4bbb-a0d1-246ad869a9ef" providerId="ADAL" clId="{7461025A-60EA-4002-A4A0-3E2AA86254C9}" dt="2023-12-06T02:54:14.561" v="423" actId="47"/>
+      <pc:chgData name="Zeyu Cui" userId="f8ac9f83-9c27-4bbb-a0d1-246ad869a9ef" providerId="ADAL" clId="{7461025A-60EA-4002-A4A0-3E2AA86254C9}" dt="2023-12-06T04:26:56.815" v="546" actId="242"/>
       <pc:docMkLst>
         <pc:docMk/>
       </pc:docMkLst>
@@ -379,7 +379,7 @@
         </pc:picChg>
       </pc:sldChg>
       <pc:sldChg chg="addSp delSp modSp mod modNotes">
-        <pc:chgData name="Zeyu Cui" userId="f8ac9f83-9c27-4bbb-a0d1-246ad869a9ef" providerId="ADAL" clId="{7461025A-60EA-4002-A4A0-3E2AA86254C9}" dt="2023-12-06T02:53:45.976" v="420" actId="120"/>
+        <pc:chgData name="Zeyu Cui" userId="f8ac9f83-9c27-4bbb-a0d1-246ad869a9ef" providerId="ADAL" clId="{7461025A-60EA-4002-A4A0-3E2AA86254C9}" dt="2023-12-06T04:26:56.815" v="546" actId="242"/>
         <pc:sldMkLst>
           <pc:docMk/>
           <pc:sldMk cId="0" sldId="257"/>
@@ -473,7 +473,7 @@
           </ac:spMkLst>
         </pc:spChg>
         <pc:graphicFrameChg chg="mod modGraphic">
-          <ac:chgData name="Zeyu Cui" userId="f8ac9f83-9c27-4bbb-a0d1-246ad869a9ef" providerId="ADAL" clId="{7461025A-60EA-4002-A4A0-3E2AA86254C9}" dt="2023-12-06T02:53:45.976" v="420" actId="120"/>
+          <ac:chgData name="Zeyu Cui" userId="f8ac9f83-9c27-4bbb-a0d1-246ad869a9ef" providerId="ADAL" clId="{7461025A-60EA-4002-A4A0-3E2AA86254C9}" dt="2023-12-06T04:26:56.815" v="546" actId="242"/>
           <ac:graphicFrameMkLst>
             <pc:docMk/>
             <pc:sldMk cId="0" sldId="257"/>
@@ -7112,14 +7112,14 @@
           <p:nvPr>
             <p:extLst>
               <p:ext uri="{D42A27DB-BD31-4B8C-83A1-F6EECF244321}">
-                <p14:modId xmlns:p14="http://schemas.microsoft.com/office/powerpoint/2010/main" val="1352280297"/>
+                <p14:modId xmlns:p14="http://schemas.microsoft.com/office/powerpoint/2010/main" val="4194129783"/>
               </p:ext>
             </p:extLst>
           </p:nvPr>
         </p:nvGraphicFramePr>
         <p:xfrm>
           <a:off x="707197" y="1051738"/>
-          <a:ext cx="6895082" cy="3932261"/>
+          <a:ext cx="6895082" cy="3764974"/>
         </p:xfrm>
         <a:graphic>
           <a:graphicData uri="http://schemas.openxmlformats.org/drawingml/2006/table">
@@ -7174,7 +7174,7 @@
                       </a:endParaRPr>
                     </a:p>
                   </a:txBody>
-                  <a:tcPr marL="91425" marR="91425" marT="91425" marB="91425"/>
+                  <a:tcPr marL="91425" marR="91425" marT="91425" marB="91425" anchor="ctr"/>
                 </a:tc>
                 <a:tc>
                   <a:txBody>
@@ -7270,7 +7270,7 @@
                       </a:endParaRPr>
                     </a:p>
                   </a:txBody>
-                  <a:tcPr marL="91425" marR="91425" marT="91425" marB="91425"/>
+                  <a:tcPr marL="91425" marR="91425" marT="91425" marB="91425" anchor="ctr"/>
                 </a:tc>
                 <a:extLst>
                   <a:ext uri="{0D108BD9-81ED-4DB2-BD59-A6C34878D82A}">
@@ -7336,7 +7336,112 @@
                       </a:endParaRPr>
                     </a:p>
                   </a:txBody>
-                  <a:tcPr marL="91425" marR="91425" marT="91425" marB="91425"/>
+                  <a:tcPr marL="91425" marR="91425" marT="91425" marB="91425" anchor="ctr"/>
+                </a:tc>
+                <a:tc>
+                  <a:txBody>
+                    <a:bodyPr/>
+                    <a:lstStyle/>
+                    <a:p>
+                      <a:pPr marL="0" lvl="2" indent="0" algn="l" rtl="0">
+                        <a:spcBef>
+                          <a:spcPts val="0"/>
+                        </a:spcBef>
+                        <a:spcAft>
+                          <a:spcPts val="0"/>
+                        </a:spcAft>
+                        <a:buNone/>
+                      </a:pPr>
+                      <a:r>
+                        <a:rPr lang="en-US" sz="1600" dirty="0"/>
+                        <a:t>Bidding Process,</a:t>
+                      </a:r>
+                      <a:r>
+                        <a:rPr lang="zh-CN" altLang="en-US" sz="1600" dirty="0"/>
+                        <a:t> </a:t>
+                      </a:r>
+                      <a:r>
+                        <a:rPr lang="en-US" sz="1600" dirty="0"/>
+                        <a:t>Database Migration,</a:t>
+                      </a:r>
+                      <a:r>
+                        <a:rPr lang="zh-CN" altLang="en-US" sz="1600" dirty="0"/>
+                        <a:t> </a:t>
+                      </a:r>
+                      <a:r>
+                        <a:rPr lang="en-US" altLang="zh-CN" sz="1600" dirty="0"/>
+                        <a:t>Payment</a:t>
+                      </a:r>
+                      <a:endParaRPr sz="1600" dirty="0"/>
+                    </a:p>
+                  </a:txBody>
+                  <a:tcPr marL="91425" marR="91425" marT="91425" marB="91425" anchor="ctr"/>
+                </a:tc>
+                <a:extLst>
+                  <a:ext uri="{0D108BD9-81ED-4DB2-BD59-A6C34878D82A}">
+                    <a16:rowId xmlns:a16="http://schemas.microsoft.com/office/drawing/2014/main" val="10001"/>
+                  </a:ext>
+                </a:extLst>
+              </a:tr>
+              <a:tr h="712651">
+                <a:tc>
+                  <a:txBody>
+                    <a:bodyPr/>
+                    <a:lstStyle/>
+                    <a:p>
+                      <a:pPr marL="0" lvl="0" indent="0" algn="ctr" rtl="0">
+                        <a:spcBef>
+                          <a:spcPts val="0"/>
+                        </a:spcBef>
+                        <a:spcAft>
+                          <a:spcPts val="0"/>
+                        </a:spcAft>
+                        <a:buNone/>
+                      </a:pPr>
+                      <a:r>
+                        <a:rPr lang="en-US" altLang="zh-CN" sz="2400" b="1" i="0" u="none" strike="noStrike" cap="none" dirty="0">
+                          <a:ln w="6600">
+                            <a:solidFill>
+                              <a:schemeClr val="accent2"/>
+                            </a:solidFill>
+                            <a:prstDash val="solid"/>
+                          </a:ln>
+                          <a:solidFill>
+                            <a:srgbClr val="8EE4FD"/>
+                          </a:solidFill>
+                          <a:effectLst>
+                            <a:outerShdw dist="38100" dir="2700000" algn="tl" rotWithShape="0">
+                              <a:schemeClr val="accent2"/>
+                            </a:outerShdw>
+                          </a:effectLst>
+                          <a:latin typeface="Agency FB" panose="020B0503020202020204" pitchFamily="34" charset="0"/>
+                          <a:cs typeface="Aharoni" panose="020F0502020204030204" pitchFamily="2" charset="-79"/>
+                          <a:sym typeface="Arial"/>
+                        </a:rPr>
+                        <a:t>Shiyan Chen</a:t>
+                      </a:r>
+                      <a:endParaRPr sz="2400" b="1" i="0" u="none" strike="noStrike" cap="none" dirty="0">
+                        <a:ln w="6600">
+                          <a:solidFill>
+                            <a:schemeClr val="accent2"/>
+                          </a:solidFill>
+                          <a:prstDash val="solid"/>
+                        </a:ln>
+                        <a:solidFill>
+                          <a:srgbClr val="8EE4FD"/>
+                        </a:solidFill>
+                        <a:effectLst>
+                          <a:outerShdw dist="38100" dir="2700000" algn="tl" rotWithShape="0">
+                            <a:schemeClr val="accent2"/>
+                          </a:outerShdw>
+                        </a:effectLst>
+                        <a:latin typeface="Agency FB" panose="020B0503020202020204" pitchFamily="34" charset="0"/>
+                        <a:cs typeface="Aharoni" panose="020F0502020204030204" pitchFamily="2" charset="-79"/>
+                        <a:sym typeface="Arial"/>
+                      </a:endParaRPr>
+                    </a:p>
+                  </a:txBody>
+                  <a:tcPr marL="91425" marR="91425" marT="91425" marB="91425" anchor="ctr"/>
                 </a:tc>
                 <a:tc>
                   <a:txBody>
@@ -7353,17 +7458,142 @@
                         <a:buNone/>
                       </a:pPr>
                       <a:r>
-                        <a:rPr lang="en-US" sz="1800" dirty="0"/>
-                        <a:t>Bidding Process; Database Migration</a:t>
+                        <a:rPr lang="zh-CN" sz="1600" dirty="0"/>
+                        <a:t>Database Initialization</a:t>
                       </a:r>
-                      <a:endParaRPr sz="1800" dirty="0"/>
+                      <a:r>
+                        <a:rPr lang="en-US" altLang="zh-CN" sz="1600" dirty="0"/>
+                        <a:t>, </a:t>
+                      </a:r>
+                      <a:r>
+                        <a:rPr lang="zh-CN" sz="1600" dirty="0"/>
+                        <a:t>Chat Bot Integration</a:t>
+                      </a:r>
+                      <a:r>
+                        <a:rPr lang="en-US" altLang="zh-CN" sz="1600" dirty="0"/>
+                        <a:t>,</a:t>
+                      </a:r>
+                      <a:r>
+                        <a:rPr lang="zh-CN" altLang="en-US" sz="1600" dirty="0"/>
+                        <a:t> </a:t>
+                      </a:r>
+                      <a:r>
+                        <a:rPr lang="en-US" altLang="zh-CN" sz="1600" dirty="0"/>
+                        <a:t>Messaging System</a:t>
+                      </a:r>
+                      <a:endParaRPr sz="1600" dirty="0"/>
                     </a:p>
                   </a:txBody>
-                  <a:tcPr marL="91425" marR="91425" marT="91425" marB="91425"/>
+                  <a:tcPr marL="91425" marR="91425" marT="91425" marB="91425" anchor="ctr"/>
                 </a:tc>
                 <a:extLst>
                   <a:ext uri="{0D108BD9-81ED-4DB2-BD59-A6C34878D82A}">
-                    <a16:rowId xmlns:a16="http://schemas.microsoft.com/office/drawing/2014/main" val="10001"/>
+                    <a16:rowId xmlns:a16="http://schemas.microsoft.com/office/drawing/2014/main" val="4165781641"/>
+                  </a:ext>
+                </a:extLst>
+              </a:tr>
+              <a:tr h="712651">
+                <a:tc>
+                  <a:txBody>
+                    <a:bodyPr/>
+                    <a:lstStyle/>
+                    <a:p>
+                      <a:pPr marL="0" lvl="0" indent="0" algn="ctr" rtl="0">
+                        <a:spcBef>
+                          <a:spcPts val="0"/>
+                        </a:spcBef>
+                        <a:spcAft>
+                          <a:spcPts val="0"/>
+                        </a:spcAft>
+                        <a:buNone/>
+                      </a:pPr>
+                      <a:r>
+                        <a:rPr lang="en-US" altLang="zh-CN" sz="2400" b="1" i="0" u="none" strike="noStrike" cap="none" dirty="0">
+                          <a:ln w="6600">
+                            <a:solidFill>
+                              <a:schemeClr val="accent2"/>
+                            </a:solidFill>
+                            <a:prstDash val="solid"/>
+                          </a:ln>
+                          <a:solidFill>
+                            <a:srgbClr val="8EE4FD"/>
+                          </a:solidFill>
+                          <a:effectLst>
+                            <a:outerShdw dist="38100" dir="2700000" algn="tl" rotWithShape="0">
+                              <a:schemeClr val="accent2"/>
+                            </a:outerShdw>
+                          </a:effectLst>
+                          <a:latin typeface="Agency FB" panose="020B0503020202020204" pitchFamily="34" charset="0"/>
+                          <a:cs typeface="Aharoni" panose="020F0502020204030204" pitchFamily="2" charset="-79"/>
+                          <a:sym typeface="Arial"/>
+                        </a:rPr>
+                        <a:t>Xuanmao Huang</a:t>
+                      </a:r>
+                      <a:endParaRPr sz="2400" b="1" i="0" u="none" strike="noStrike" cap="none" dirty="0">
+                        <a:ln w="6600">
+                          <a:solidFill>
+                            <a:schemeClr val="accent2"/>
+                          </a:solidFill>
+                          <a:prstDash val="solid"/>
+                        </a:ln>
+                        <a:solidFill>
+                          <a:srgbClr val="8EE4FD"/>
+                        </a:solidFill>
+                        <a:effectLst>
+                          <a:outerShdw dist="38100" dir="2700000" algn="tl" rotWithShape="0">
+                            <a:schemeClr val="accent2"/>
+                          </a:outerShdw>
+                        </a:effectLst>
+                        <a:latin typeface="Agency FB" panose="020B0503020202020204" pitchFamily="34" charset="0"/>
+                        <a:cs typeface="Aharoni" panose="020F0502020204030204" pitchFamily="2" charset="-79"/>
+                        <a:sym typeface="Arial"/>
+                      </a:endParaRPr>
+                    </a:p>
+                  </a:txBody>
+                  <a:tcPr marL="91425" marR="91425" marT="91425" marB="91425" anchor="ctr"/>
+                </a:tc>
+                <a:tc>
+                  <a:txBody>
+                    <a:bodyPr/>
+                    <a:lstStyle/>
+                    <a:p>
+                      <a:pPr marL="0" lvl="0" indent="0" algn="l" rtl="0">
+                        <a:spcBef>
+                          <a:spcPts val="0"/>
+                        </a:spcBef>
+                        <a:spcAft>
+                          <a:spcPts val="0"/>
+                        </a:spcAft>
+                        <a:buNone/>
+                      </a:pPr>
+                      <a:r>
+                        <a:rPr lang="zh-CN" sz="1600" dirty="0"/>
+                        <a:t>Home </a:t>
+                      </a:r>
+                      <a:r>
+                        <a:rPr lang="en-US" altLang="zh-CN" sz="1600" dirty="0"/>
+                        <a:t>Page,</a:t>
+                      </a:r>
+                      <a:r>
+                        <a:rPr lang="zh-CN" sz="1600" dirty="0"/>
+                        <a:t> Product Page</a:t>
+                      </a:r>
+                      <a:r>
+                        <a:rPr lang="en-US" altLang="zh-CN" sz="1600" dirty="0"/>
+                        <a:t>,</a:t>
+                      </a:r>
+                      <a:r>
+                        <a:rPr lang="zh-CN" sz="1600" dirty="0"/>
+                        <a:t> User Profile</a:t>
+                      </a:r>
+                      <a:endParaRPr sz="1600" dirty="0"/>
+                    </a:p>
+                  </a:txBody>
+                  <a:tcPr marL="91425" marR="91425" marT="91425" marB="91425" anchor="ctr"/>
+                </a:tc>
+                <a:extLst>
+                  <a:ext uri="{0D108BD9-81ED-4DB2-BD59-A6C34878D82A}">
+                    <a16:rowId xmlns:a16="http://schemas.microsoft.com/office/drawing/2014/main" val="1412060859"/>
                   </a:ext>
                 </a:extLst>
               </a:tr>
@@ -7425,7 +7655,7 @@
                       </a:endParaRPr>
                     </a:p>
                   </a:txBody>
-                  <a:tcPr marL="91425" marR="91425" marT="91425" marB="91425"/>
+                  <a:tcPr marL="91425" marR="91425" marT="91425" marB="91425" anchor="ctr"/>
                 </a:tc>
                 <a:tc>
                   <a:txBody>
@@ -7442,195 +7672,29 @@
                         <a:buNone/>
                       </a:pPr>
                       <a:r>
-                        <a:rPr lang="zh-CN" sz="1800" dirty="0"/>
-                        <a:t>Shipping &amp; Payment Process</a:t>
+                        <a:rPr lang="zh-CN" sz="1600" dirty="0"/>
+                        <a:t>Ship</a:t>
                       </a:r>
-                      <a:endParaRPr sz="1800" dirty="0"/>
+                      <a:r>
+                        <a:rPr lang="en-US" altLang="zh-CN" sz="1600" dirty="0"/>
+                        <a:t>ping Generation,</a:t>
+                      </a:r>
+                      <a:r>
+                        <a:rPr lang="zh-CN" altLang="en-US" sz="1600" dirty="0"/>
+                        <a:t> </a:t>
+                      </a:r>
+                      <a:r>
+                        <a:rPr lang="en-US" altLang="zh-CN" sz="1600" dirty="0"/>
+                        <a:t>Order History</a:t>
+                      </a:r>
+                      <a:endParaRPr sz="1600" dirty="0"/>
                     </a:p>
                   </a:txBody>
-                  <a:tcPr marL="91425" marR="91425" marT="91425" marB="91425"/>
+                  <a:tcPr marL="91425" marR="91425" marT="91425" marB="91425" anchor="ctr"/>
                 </a:tc>
                 <a:extLst>
                   <a:ext uri="{0D108BD9-81ED-4DB2-BD59-A6C34878D82A}">
                     <a16:rowId xmlns:a16="http://schemas.microsoft.com/office/drawing/2014/main" val="10002"/>
-                  </a:ext>
-                </a:extLst>
-              </a:tr>
-              <a:tr h="712651">
-                <a:tc>
-                  <a:txBody>
-                    <a:bodyPr/>
-                    <a:lstStyle/>
-                    <a:p>
-                      <a:pPr marL="0" lvl="0" indent="0" algn="ctr" rtl="0">
-                        <a:spcBef>
-                          <a:spcPts val="0"/>
-                        </a:spcBef>
-                        <a:spcAft>
-                          <a:spcPts val="0"/>
-                        </a:spcAft>
-                        <a:buNone/>
-                      </a:pPr>
-                      <a:r>
-                        <a:rPr lang="en-US" altLang="zh-CN" sz="2400" b="1" i="0" u="none" strike="noStrike" cap="none" dirty="0">
-                          <a:ln w="6600">
-                            <a:solidFill>
-                              <a:schemeClr val="accent2"/>
-                            </a:solidFill>
-                            <a:prstDash val="solid"/>
-                          </a:ln>
-                          <a:solidFill>
-                            <a:srgbClr val="8EE4FD"/>
-                          </a:solidFill>
-                          <a:effectLst>
-                            <a:outerShdw dist="38100" dir="2700000" algn="tl" rotWithShape="0">
-                              <a:schemeClr val="accent2"/>
-                            </a:outerShdw>
-                          </a:effectLst>
-                          <a:latin typeface="Agency FB" panose="020B0503020202020204" pitchFamily="34" charset="0"/>
-                          <a:cs typeface="Aharoni" panose="020F0502020204030204" pitchFamily="2" charset="-79"/>
-                          <a:sym typeface="Arial"/>
-                        </a:rPr>
-                        <a:t>Shiyan Chen</a:t>
-                      </a:r>
-                      <a:endParaRPr sz="2400" b="1" i="0" u="none" strike="noStrike" cap="none" dirty="0">
-                        <a:ln w="6600">
-                          <a:solidFill>
-                            <a:schemeClr val="accent2"/>
-                          </a:solidFill>
-                          <a:prstDash val="solid"/>
-                        </a:ln>
-                        <a:solidFill>
-                          <a:srgbClr val="8EE4FD"/>
-                        </a:solidFill>
-                        <a:effectLst>
-                          <a:outerShdw dist="38100" dir="2700000" algn="tl" rotWithShape="0">
-                            <a:schemeClr val="accent2"/>
-                          </a:outerShdw>
-                        </a:effectLst>
-                        <a:latin typeface="Agency FB" panose="020B0503020202020204" pitchFamily="34" charset="0"/>
-                        <a:cs typeface="Aharoni" panose="020F0502020204030204" pitchFamily="2" charset="-79"/>
-                        <a:sym typeface="Arial"/>
-                      </a:endParaRPr>
-                    </a:p>
-                  </a:txBody>
-                  <a:tcPr marL="91425" marR="91425" marT="91425" marB="91425"/>
-                </a:tc>
-                <a:tc>
-                  <a:txBody>
-                    <a:bodyPr/>
-                    <a:lstStyle/>
-                    <a:p>
-                      <a:pPr marL="0" lvl="0" indent="0" algn="l" rtl="0">
-                        <a:spcBef>
-                          <a:spcPts val="0"/>
-                        </a:spcBef>
-                        <a:spcAft>
-                          <a:spcPts val="0"/>
-                        </a:spcAft>
-                        <a:buNone/>
-                      </a:pPr>
-                      <a:r>
-                        <a:rPr lang="zh-CN" sz="1800" dirty="0"/>
-                        <a:t>Database Initialization;Chat Bot Integration</a:t>
-                      </a:r>
-                      <a:endParaRPr sz="1800" dirty="0"/>
-                    </a:p>
-                  </a:txBody>
-                  <a:tcPr marL="91425" marR="91425" marT="91425" marB="91425"/>
-                </a:tc>
-                <a:extLst>
-                  <a:ext uri="{0D108BD9-81ED-4DB2-BD59-A6C34878D82A}">
-                    <a16:rowId xmlns:a16="http://schemas.microsoft.com/office/drawing/2014/main" val="10003"/>
-                  </a:ext>
-                </a:extLst>
-              </a:tr>
-              <a:tr h="879938">
-                <a:tc>
-                  <a:txBody>
-                    <a:bodyPr/>
-                    <a:lstStyle/>
-                    <a:p>
-                      <a:pPr marL="0" lvl="0" indent="0" algn="ctr" rtl="0">
-                        <a:spcBef>
-                          <a:spcPts val="0"/>
-                        </a:spcBef>
-                        <a:spcAft>
-                          <a:spcPts val="0"/>
-                        </a:spcAft>
-                        <a:buNone/>
-                      </a:pPr>
-                      <a:r>
-                        <a:rPr lang="en-US" altLang="zh-CN" sz="2400" b="1" i="0" u="none" strike="noStrike" cap="none" dirty="0">
-                          <a:ln w="6600">
-                            <a:solidFill>
-                              <a:schemeClr val="accent2"/>
-                            </a:solidFill>
-                            <a:prstDash val="solid"/>
-                          </a:ln>
-                          <a:solidFill>
-                            <a:srgbClr val="8EE4FD"/>
-                          </a:solidFill>
-                          <a:effectLst>
-                            <a:outerShdw dist="38100" dir="2700000" algn="tl" rotWithShape="0">
-                              <a:schemeClr val="accent2"/>
-                            </a:outerShdw>
-                          </a:effectLst>
-                          <a:latin typeface="Agency FB" panose="020B0503020202020204" pitchFamily="34" charset="0"/>
-                          <a:cs typeface="Aharoni" panose="020F0502020204030204" pitchFamily="2" charset="-79"/>
-                          <a:sym typeface="Arial"/>
-                        </a:rPr>
-                        <a:t>Xuanmao Huang</a:t>
-                      </a:r>
-                      <a:endParaRPr sz="2400" b="1" i="0" u="none" strike="noStrike" cap="none" dirty="0">
-                        <a:ln w="6600">
-                          <a:solidFill>
-                            <a:schemeClr val="accent2"/>
-                          </a:solidFill>
-                          <a:prstDash val="solid"/>
-                        </a:ln>
-                        <a:solidFill>
-                          <a:srgbClr val="8EE4FD"/>
-                        </a:solidFill>
-                        <a:effectLst>
-                          <a:outerShdw dist="38100" dir="2700000" algn="tl" rotWithShape="0">
-                            <a:schemeClr val="accent2"/>
-                          </a:outerShdw>
-                        </a:effectLst>
-                        <a:latin typeface="Agency FB" panose="020B0503020202020204" pitchFamily="34" charset="0"/>
-                        <a:cs typeface="Aharoni" panose="020F0502020204030204" pitchFamily="2" charset="-79"/>
-                        <a:sym typeface="Arial"/>
-                      </a:endParaRPr>
-                    </a:p>
-                  </a:txBody>
-                  <a:tcPr marL="91425" marR="91425" marT="91425" marB="91425"/>
-                </a:tc>
-                <a:tc>
-                  <a:txBody>
-                    <a:bodyPr/>
-                    <a:lstStyle/>
-                    <a:p>
-                      <a:pPr marL="0" lvl="0" indent="0" algn="l" rtl="0">
-                        <a:spcBef>
-                          <a:spcPts val="0"/>
-                        </a:spcBef>
-                        <a:spcAft>
-                          <a:spcPts val="0"/>
-                        </a:spcAft>
-                        <a:buNone/>
-                      </a:pPr>
-                      <a:r>
-                        <a:rPr lang="zh-CN" sz="1800" dirty="0"/>
-                        <a:t>Home &amp; Product Page; User Profile</a:t>
-                      </a:r>
-                      <a:endParaRPr sz="1800" dirty="0"/>
-                    </a:p>
-                  </a:txBody>
-                  <a:tcPr marL="91425" marR="91425" marT="91425" marB="91425"/>
-                </a:tc>
-                <a:extLst>
-                  <a:ext uri="{0D108BD9-81ED-4DB2-BD59-A6C34878D82A}">
-                    <a16:rowId xmlns:a16="http://schemas.microsoft.com/office/drawing/2014/main" val="10004"/>
                   </a:ext>
                 </a:extLst>
               </a:tr>

--- a/res/Group8_Final_Demo.pptx
+++ b/res/Group8_Final_Demo.pptx
@@ -5,16 +5,17 @@
     <p:sldMasterId id="2147483659" r:id="rId1"/>
   </p:sldMasterIdLst>
   <p:notesMasterIdLst>
-    <p:notesMasterId r:id="rId9"/>
+    <p:notesMasterId r:id="rId10"/>
   </p:notesMasterIdLst>
   <p:sldIdLst>
     <p:sldId id="256" r:id="rId2"/>
-    <p:sldId id="257" r:id="rId3"/>
-    <p:sldId id="258" r:id="rId4"/>
-    <p:sldId id="259" r:id="rId5"/>
-    <p:sldId id="260" r:id="rId6"/>
-    <p:sldId id="261" r:id="rId7"/>
-    <p:sldId id="265" r:id="rId8"/>
+    <p:sldId id="266" r:id="rId3"/>
+    <p:sldId id="257" r:id="rId4"/>
+    <p:sldId id="258" r:id="rId5"/>
+    <p:sldId id="259" r:id="rId6"/>
+    <p:sldId id="260" r:id="rId7"/>
+    <p:sldId id="261" r:id="rId8"/>
+    <p:sldId id="265" r:id="rId9"/>
   </p:sldIdLst>
   <p:sldSz cx="9144000" cy="5143500" type="screen16x9"/>
   <p:notesSz cx="6858000" cy="9144000"/>
@@ -269,7 +270,7 @@
 <file path=ppt/revisionInfo.xml><?xml version="1.0" encoding="utf-8"?>
 <p1510:revInfo xmlns:a="http://schemas.openxmlformats.org/drawingml/2006/main" xmlns:r="http://schemas.openxmlformats.org/officeDocument/2006/relationships" xmlns:p1510="http://schemas.microsoft.com/office/powerpoint/2015/10/main">
   <p1510:revLst>
-    <p1510:client id="{7461025A-60EA-4002-A4A0-3E2AA86254C9}" v="91" dt="2023-12-06T04:26:22.778"/>
+    <p1510:client id="{7461025A-60EA-4002-A4A0-3E2AA86254C9}" v="101" dt="2023-12-06T06:53:00.321"/>
   </p1510:revLst>
 </p1510:revInfo>
 </file>
@@ -279,7 +280,7 @@
   <pc:docChgLst>
     <pc:chgData name="Zeyu Cui" userId="f8ac9f83-9c27-4bbb-a0d1-246ad869a9ef" providerId="ADAL" clId="{7461025A-60EA-4002-A4A0-3E2AA86254C9}"/>
     <pc:docChg chg="undo custSel addSld delSld modSld">
-      <pc:chgData name="Zeyu Cui" userId="f8ac9f83-9c27-4bbb-a0d1-246ad869a9ef" providerId="ADAL" clId="{7461025A-60EA-4002-A4A0-3E2AA86254C9}" dt="2023-12-06T04:26:56.815" v="546" actId="242"/>
+      <pc:chgData name="Zeyu Cui" userId="f8ac9f83-9c27-4bbb-a0d1-246ad869a9ef" providerId="ADAL" clId="{7461025A-60EA-4002-A4A0-3E2AA86254C9}" dt="2023-12-06T06:54:52.709" v="934" actId="20577"/>
       <pc:docMkLst>
         <pc:docMk/>
       </pc:docMkLst>
@@ -379,7 +380,7 @@
         </pc:picChg>
       </pc:sldChg>
       <pc:sldChg chg="addSp delSp modSp mod modNotes">
-        <pc:chgData name="Zeyu Cui" userId="f8ac9f83-9c27-4bbb-a0d1-246ad869a9ef" providerId="ADAL" clId="{7461025A-60EA-4002-A4A0-3E2AA86254C9}" dt="2023-12-06T04:26:56.815" v="546" actId="242"/>
+        <pc:chgData name="Zeyu Cui" userId="f8ac9f83-9c27-4bbb-a0d1-246ad869a9ef" providerId="ADAL" clId="{7461025A-60EA-4002-A4A0-3E2AA86254C9}" dt="2023-12-06T06:54:52.709" v="934" actId="20577"/>
         <pc:sldMkLst>
           <pc:docMk/>
           <pc:sldMk cId="0" sldId="257"/>
@@ -473,7 +474,7 @@
           </ac:spMkLst>
         </pc:spChg>
         <pc:graphicFrameChg chg="mod modGraphic">
-          <ac:chgData name="Zeyu Cui" userId="f8ac9f83-9c27-4bbb-a0d1-246ad869a9ef" providerId="ADAL" clId="{7461025A-60EA-4002-A4A0-3E2AA86254C9}" dt="2023-12-06T04:26:56.815" v="546" actId="242"/>
+          <ac:chgData name="Zeyu Cui" userId="f8ac9f83-9c27-4bbb-a0d1-246ad869a9ef" providerId="ADAL" clId="{7461025A-60EA-4002-A4A0-3E2AA86254C9}" dt="2023-12-06T06:54:52.709" v="934" actId="20577"/>
           <ac:graphicFrameMkLst>
             <pc:docMk/>
             <pc:sldMk cId="0" sldId="257"/>
@@ -678,6 +679,125 @@
             <pc:docMk/>
             <pc:sldMk cId="3287701167" sldId="265"/>
             <ac:picMk id="3" creationId="{5810038B-B246-CFF4-B949-211A44391DA4}"/>
+          </ac:picMkLst>
+        </pc:picChg>
+      </pc:sldChg>
+      <pc:sldChg chg="addSp delSp modSp new mod">
+        <pc:chgData name="Zeyu Cui" userId="f8ac9f83-9c27-4bbb-a0d1-246ad869a9ef" providerId="ADAL" clId="{7461025A-60EA-4002-A4A0-3E2AA86254C9}" dt="2023-12-06T06:53:09.557" v="927" actId="14100"/>
+        <pc:sldMkLst>
+          <pc:docMk/>
+          <pc:sldMk cId="1108182153" sldId="266"/>
+        </pc:sldMkLst>
+        <pc:spChg chg="mod">
+          <ac:chgData name="Zeyu Cui" userId="f8ac9f83-9c27-4bbb-a0d1-246ad869a9ef" providerId="ADAL" clId="{7461025A-60EA-4002-A4A0-3E2AA86254C9}" dt="2023-12-06T05:07:55.042" v="677" actId="1076"/>
+          <ac:spMkLst>
+            <pc:docMk/>
+            <pc:sldMk cId="1108182153" sldId="266"/>
+            <ac:spMk id="2" creationId="{13036682-76E2-1CF7-B93A-E46A6B65F798}"/>
+          </ac:spMkLst>
+        </pc:spChg>
+        <pc:spChg chg="add mod">
+          <ac:chgData name="Zeyu Cui" userId="f8ac9f83-9c27-4bbb-a0d1-246ad869a9ef" providerId="ADAL" clId="{7461025A-60EA-4002-A4A0-3E2AA86254C9}" dt="2023-12-06T06:13:00.303" v="915" actId="1076"/>
+          <ac:spMkLst>
+            <pc:docMk/>
+            <pc:sldMk cId="1108182153" sldId="266"/>
+            <ac:spMk id="4" creationId="{FFA75078-B33D-E669-F6DB-4D1EA9870AB7}"/>
+          </ac:spMkLst>
+        </pc:spChg>
+        <pc:spChg chg="add mod">
+          <ac:chgData name="Zeyu Cui" userId="f8ac9f83-9c27-4bbb-a0d1-246ad869a9ef" providerId="ADAL" clId="{7461025A-60EA-4002-A4A0-3E2AA86254C9}" dt="2023-12-06T06:11:36.077" v="913" actId="108"/>
+          <ac:spMkLst>
+            <pc:docMk/>
+            <pc:sldMk cId="1108182153" sldId="266"/>
+            <ac:spMk id="7" creationId="{5B48CA1E-52CB-7337-011F-5517D21E5A81}"/>
+          </ac:spMkLst>
+        </pc:spChg>
+        <pc:spChg chg="add mod">
+          <ac:chgData name="Zeyu Cui" userId="f8ac9f83-9c27-4bbb-a0d1-246ad869a9ef" providerId="ADAL" clId="{7461025A-60EA-4002-A4A0-3E2AA86254C9}" dt="2023-12-06T06:13:06.920" v="916" actId="1076"/>
+          <ac:spMkLst>
+            <pc:docMk/>
+            <pc:sldMk cId="1108182153" sldId="266"/>
+            <ac:spMk id="15" creationId="{31DD5CF7-C368-EDF9-02B1-30A9D8D46071}"/>
+          </ac:spMkLst>
+        </pc:spChg>
+        <pc:grpChg chg="add mod">
+          <ac:chgData name="Zeyu Cui" userId="f8ac9f83-9c27-4bbb-a0d1-246ad869a9ef" providerId="ADAL" clId="{7461025A-60EA-4002-A4A0-3E2AA86254C9}" dt="2023-12-06T06:09:07.610" v="880" actId="1076"/>
+          <ac:grpSpMkLst>
+            <pc:docMk/>
+            <pc:sldMk cId="1108182153" sldId="266"/>
+            <ac:grpSpMk id="5" creationId="{24555292-E0C3-1110-F02F-11EA6796CCD1}"/>
+          </ac:grpSpMkLst>
+        </pc:grpChg>
+        <pc:picChg chg="add del mod">
+          <ac:chgData name="Zeyu Cui" userId="f8ac9f83-9c27-4bbb-a0d1-246ad869a9ef" providerId="ADAL" clId="{7461025A-60EA-4002-A4A0-3E2AA86254C9}" dt="2023-12-06T04:44:59.912" v="625" actId="478"/>
+          <ac:picMkLst>
+            <pc:docMk/>
+            <pc:sldMk cId="1108182153" sldId="266"/>
+            <ac:picMk id="3" creationId="{FBADEC95-80FE-2DE5-313F-1E327EEFA48D}"/>
+          </ac:picMkLst>
+        </pc:picChg>
+        <pc:picChg chg="add del mod">
+          <ac:chgData name="Zeyu Cui" userId="f8ac9f83-9c27-4bbb-a0d1-246ad869a9ef" providerId="ADAL" clId="{7461025A-60EA-4002-A4A0-3E2AA86254C9}" dt="2023-12-06T05:02:05.945" v="654" actId="478"/>
+          <ac:picMkLst>
+            <pc:docMk/>
+            <pc:sldMk cId="1108182153" sldId="266"/>
+            <ac:picMk id="5" creationId="{973215B4-82C2-432B-B283-9795FC24B2E5}"/>
+          </ac:picMkLst>
+        </pc:picChg>
+        <pc:picChg chg="add del mod ord modCrop">
+          <ac:chgData name="Zeyu Cui" userId="f8ac9f83-9c27-4bbb-a0d1-246ad869a9ef" providerId="ADAL" clId="{7461025A-60EA-4002-A4A0-3E2AA86254C9}" dt="2023-12-06T05:08:06.030" v="678" actId="21"/>
+          <ac:picMkLst>
+            <pc:docMk/>
+            <pc:sldMk cId="1108182153" sldId="266"/>
+            <ac:picMk id="7" creationId="{B3032598-0B41-E5CA-A6AC-B62F7A5D0EC2}"/>
+          </ac:picMkLst>
+        </pc:picChg>
+        <pc:picChg chg="add mod modCrop">
+          <ac:chgData name="Zeyu Cui" userId="f8ac9f83-9c27-4bbb-a0d1-246ad869a9ef" providerId="ADAL" clId="{7461025A-60EA-4002-A4A0-3E2AA86254C9}" dt="2023-12-06T06:53:09.557" v="927" actId="14100"/>
+          <ac:picMkLst>
+            <pc:docMk/>
+            <pc:sldMk cId="1108182153" sldId="266"/>
+            <ac:picMk id="9" creationId="{0EC4FF85-32E6-EC74-FA4D-6588BDBA2698}"/>
+          </ac:picMkLst>
+        </pc:picChg>
+        <pc:picChg chg="add del mod">
+          <ac:chgData name="Zeyu Cui" userId="f8ac9f83-9c27-4bbb-a0d1-246ad869a9ef" providerId="ADAL" clId="{7461025A-60EA-4002-A4A0-3E2AA86254C9}" dt="2023-12-06T04:47:30.983" v="653" actId="478"/>
+          <ac:picMkLst>
+            <pc:docMk/>
+            <pc:sldMk cId="1108182153" sldId="266"/>
+            <ac:picMk id="9" creationId="{8D9C1155-CE5B-573D-1A2E-E24F367A2888}"/>
+          </ac:picMkLst>
+        </pc:picChg>
+        <pc:picChg chg="add mod modCrop">
+          <ac:chgData name="Zeyu Cui" userId="f8ac9f83-9c27-4bbb-a0d1-246ad869a9ef" providerId="ADAL" clId="{7461025A-60EA-4002-A4A0-3E2AA86254C9}" dt="2023-12-06T06:15:03.198" v="922" actId="1076"/>
+          <ac:picMkLst>
+            <pc:docMk/>
+            <pc:sldMk cId="1108182153" sldId="266"/>
+            <ac:picMk id="11" creationId="{4612FB09-5ECF-83BB-1645-BBD9E6DF852B}"/>
+          </ac:picMkLst>
+        </pc:picChg>
+        <pc:picChg chg="add del mod modCrop">
+          <ac:chgData name="Zeyu Cui" userId="f8ac9f83-9c27-4bbb-a0d1-246ad869a9ef" providerId="ADAL" clId="{7461025A-60EA-4002-A4A0-3E2AA86254C9}" dt="2023-12-06T05:08:06.030" v="678" actId="21"/>
+          <ac:picMkLst>
+            <pc:docMk/>
+            <pc:sldMk cId="1108182153" sldId="266"/>
+            <ac:picMk id="11" creationId="{62F90538-0673-5364-BCA1-947012F505AD}"/>
+          </ac:picMkLst>
+        </pc:picChg>
+        <pc:picChg chg="add mod">
+          <ac:chgData name="Zeyu Cui" userId="f8ac9f83-9c27-4bbb-a0d1-246ad869a9ef" providerId="ADAL" clId="{7461025A-60EA-4002-A4A0-3E2AA86254C9}" dt="2023-12-06T06:03:33.109" v="750" actId="164"/>
+          <ac:picMkLst>
+            <pc:docMk/>
+            <pc:sldMk cId="1108182153" sldId="266"/>
+            <ac:picMk id="12" creationId="{979931A7-E3A1-647F-50CF-CB53603F0ED6}"/>
+          </ac:picMkLst>
+        </pc:picChg>
+        <pc:picChg chg="add mod">
+          <ac:chgData name="Zeyu Cui" userId="f8ac9f83-9c27-4bbb-a0d1-246ad869a9ef" providerId="ADAL" clId="{7461025A-60EA-4002-A4A0-3E2AA86254C9}" dt="2023-12-06T06:03:33.109" v="750" actId="164"/>
+          <ac:picMkLst>
+            <pc:docMk/>
+            <pc:sldMk cId="1108182153" sldId="266"/>
+            <ac:picMk id="13" creationId="{FDAF4459-390E-2D0F-0317-A01E6F2317DC}"/>
           </ac:picMkLst>
         </pc:picChg>
       </pc:sldChg>
@@ -7093,6 +7213,391 @@
   <p:cSld>
     <p:spTree>
       <p:nvGrpSpPr>
+        <p:cNvPr id="1" name=""/>
+        <p:cNvGrpSpPr/>
+        <p:nvPr/>
+      </p:nvGrpSpPr>
+      <p:grpSpPr>
+        <a:xfrm>
+          <a:off x="0" y="0"/>
+          <a:ext cx="0" cy="0"/>
+          <a:chOff x="0" y="0"/>
+          <a:chExt cx="0" cy="0"/>
+        </a:xfrm>
+      </p:grpSpPr>
+      <p:sp>
+        <p:nvSpPr>
+          <p:cNvPr id="2" name="Title 1">
+            <a:extLst>
+              <a:ext uri="{FF2B5EF4-FFF2-40B4-BE49-F238E27FC236}">
+                <a16:creationId xmlns:a16="http://schemas.microsoft.com/office/drawing/2014/main" id="{13036682-76E2-1CF7-B93A-E46A6B65F798}"/>
+              </a:ext>
+            </a:extLst>
+          </p:cNvPr>
+          <p:cNvSpPr>
+            <a:spLocks noGrp="1"/>
+          </p:cNvSpPr>
+          <p:nvPr>
+            <p:ph type="title"/>
+          </p:nvPr>
+        </p:nvSpPr>
+        <p:spPr>
+          <a:xfrm>
+            <a:off x="311700" y="0"/>
+            <a:ext cx="8520600" cy="841800"/>
+          </a:xfrm>
+        </p:spPr>
+        <p:txBody>
+          <a:bodyPr>
+            <a:normAutofit fontScale="90000"/>
+          </a:bodyPr>
+          <a:lstStyle/>
+          <a:p>
+            <a:r>
+              <a:rPr lang="en-US" sz="6000" b="1" dirty="0">
+                <a:ln w="13462">
+                  <a:solidFill>
+                    <a:schemeClr val="bg1"/>
+                  </a:solidFill>
+                  <a:prstDash val="solid"/>
+                </a:ln>
+                <a:solidFill>
+                  <a:schemeClr val="tx1">
+                    <a:lumMod val="85000"/>
+                    <a:lumOff val="15000"/>
+                  </a:schemeClr>
+                </a:solidFill>
+                <a:effectLst>
+                  <a:outerShdw dist="38100" dir="2700000" algn="bl" rotWithShape="0">
+                    <a:schemeClr val="accent5"/>
+                  </a:outerShdw>
+                </a:effectLst>
+              </a:rPr>
+              <a:t>Introduction</a:t>
+            </a:r>
+          </a:p>
+        </p:txBody>
+      </p:sp>
+      <p:grpSp>
+        <p:nvGrpSpPr>
+          <p:cNvPr id="5" name="Group 4">
+            <a:extLst>
+              <a:ext uri="{FF2B5EF4-FFF2-40B4-BE49-F238E27FC236}">
+                <a16:creationId xmlns:a16="http://schemas.microsoft.com/office/drawing/2014/main" id="{24555292-E0C3-1110-F02F-11EA6796CCD1}"/>
+              </a:ext>
+            </a:extLst>
+          </p:cNvPr>
+          <p:cNvGrpSpPr/>
+          <p:nvPr/>
+        </p:nvGrpSpPr>
+        <p:grpSpPr>
+          <a:xfrm>
+            <a:off x="311700" y="1057306"/>
+            <a:ext cx="2484663" cy="2121711"/>
+            <a:chOff x="311700" y="1100076"/>
+            <a:chExt cx="2484663" cy="2121711"/>
+          </a:xfrm>
+        </p:grpSpPr>
+        <p:pic>
+          <p:nvPicPr>
+            <p:cNvPr id="12" name="Picture 11" descr="A group of men looking at a pile of cell phones&#10;&#10;Description automatically generated">
+              <a:extLst>
+                <a:ext uri="{FF2B5EF4-FFF2-40B4-BE49-F238E27FC236}">
+                  <a16:creationId xmlns:a16="http://schemas.microsoft.com/office/drawing/2014/main" id="{979931A7-E3A1-647F-50CF-CB53603F0ED6}"/>
+                </a:ext>
+              </a:extLst>
+            </p:cNvPr>
+            <p:cNvPicPr>
+              <a:picLocks noChangeAspect="1"/>
+            </p:cNvPicPr>
+            <p:nvPr/>
+          </p:nvPicPr>
+          <p:blipFill rotWithShape="1">
+            <a:blip r:embed="rId2"/>
+            <a:srcRect l="24958"/>
+            <a:stretch/>
+          </p:blipFill>
+          <p:spPr>
+            <a:xfrm>
+              <a:off x="311700" y="1100076"/>
+              <a:ext cx="2484663" cy="2121711"/>
+            </a:xfrm>
+            <a:prstGeom prst="rect">
+              <a:avLst/>
+            </a:prstGeom>
+          </p:spPr>
+        </p:pic>
+        <p:pic>
+          <p:nvPicPr>
+            <p:cNvPr id="13" name="Picture 12" descr="A cartoon of a panda bear&#10;&#10;Description automatically generated">
+              <a:extLst>
+                <a:ext uri="{FF2B5EF4-FFF2-40B4-BE49-F238E27FC236}">
+                  <a16:creationId xmlns:a16="http://schemas.microsoft.com/office/drawing/2014/main" id="{FDAF4459-390E-2D0F-0317-A01E6F2317DC}"/>
+                </a:ext>
+              </a:extLst>
+            </p:cNvPr>
+            <p:cNvPicPr>
+              <a:picLocks noChangeAspect="1"/>
+            </p:cNvPicPr>
+            <p:nvPr/>
+          </p:nvPicPr>
+          <p:blipFill rotWithShape="1">
+            <a:blip r:embed="rId3"/>
+            <a:srcRect l="13573"/>
+            <a:stretch/>
+          </p:blipFill>
+          <p:spPr>
+            <a:xfrm flipH="1">
+              <a:off x="861643" y="1531088"/>
+              <a:ext cx="1934720" cy="1690699"/>
+            </a:xfrm>
+            <a:prstGeom prst="rect">
+              <a:avLst/>
+            </a:prstGeom>
+          </p:spPr>
+        </p:pic>
+      </p:grpSp>
+      <p:sp>
+        <p:nvSpPr>
+          <p:cNvPr id="15" name="TextBox 14">
+            <a:extLst>
+              <a:ext uri="{FF2B5EF4-FFF2-40B4-BE49-F238E27FC236}">
+                <a16:creationId xmlns:a16="http://schemas.microsoft.com/office/drawing/2014/main" id="{31DD5CF7-C368-EDF9-02B1-30A9D8D46071}"/>
+              </a:ext>
+            </a:extLst>
+          </p:cNvPr>
+          <p:cNvSpPr txBox="1"/>
+          <p:nvPr/>
+        </p:nvSpPr>
+        <p:spPr>
+          <a:xfrm>
+            <a:off x="5757813" y="1051356"/>
+            <a:ext cx="3074487" cy="1815882"/>
+          </a:xfrm>
+          <a:prstGeom prst="rect">
+            <a:avLst/>
+          </a:prstGeom>
+          <a:noFill/>
+        </p:spPr>
+        <p:txBody>
+          <a:bodyPr wrap="square">
+            <a:spAutoFit/>
+          </a:bodyPr>
+          <a:lstStyle/>
+          <a:p>
+            <a:pPr algn="just"/>
+            <a:r>
+              <a:rPr lang="en-US" dirty="0">
+                <a:latin typeface="Agency FB" panose="020B0503020202020204" pitchFamily="34" charset="0"/>
+                <a:cs typeface="Cavolini" panose="03000502040302020204" pitchFamily="66" charset="0"/>
+              </a:rPr>
+              <a:t>Our Used Phone Bidding System addresses these challenges by providing a platform for trading pre-owned smartphones. </a:t>
+            </a:r>
+          </a:p>
+          <a:p>
+            <a:pPr marL="342900" indent="-342900" algn="just">
+              <a:buFont typeface="Wingdings" panose="05000000000000000000" pitchFamily="2" charset="2"/>
+              <a:buChar char="Ø"/>
+            </a:pPr>
+            <a:endParaRPr lang="en-US" dirty="0">
+              <a:latin typeface="Agency FB" panose="020B0503020202020204" pitchFamily="34" charset="0"/>
+              <a:cs typeface="Cavolini" panose="03000502040302020204" pitchFamily="66" charset="0"/>
+            </a:endParaRPr>
+          </a:p>
+          <a:p>
+            <a:pPr marL="342900" indent="-342900" algn="just">
+              <a:buFont typeface="Wingdings" panose="05000000000000000000" pitchFamily="2" charset="2"/>
+              <a:buChar char="Ø"/>
+            </a:pPr>
+            <a:r>
+              <a:rPr lang="en-US" dirty="0">
+                <a:latin typeface="Agency FB" panose="020B0503020202020204" pitchFamily="34" charset="0"/>
+                <a:cs typeface="Cavolini" panose="03000502040302020204" pitchFamily="66" charset="0"/>
+              </a:rPr>
+              <a:t>contributes to environmental conservation </a:t>
+            </a:r>
+          </a:p>
+          <a:p>
+            <a:pPr marL="342900" indent="-342900" algn="just">
+              <a:buFont typeface="Wingdings" panose="05000000000000000000" pitchFamily="2" charset="2"/>
+              <a:buChar char="Ø"/>
+            </a:pPr>
+            <a:endParaRPr lang="en-US" dirty="0">
+              <a:latin typeface="Agency FB" panose="020B0503020202020204" pitchFamily="34" charset="0"/>
+              <a:cs typeface="Cavolini" panose="03000502040302020204" pitchFamily="66" charset="0"/>
+            </a:endParaRPr>
+          </a:p>
+          <a:p>
+            <a:pPr marL="342900" indent="-342900" algn="just">
+              <a:buFont typeface="Wingdings" panose="05000000000000000000" pitchFamily="2" charset="2"/>
+              <a:buChar char="Ø"/>
+            </a:pPr>
+            <a:r>
+              <a:rPr lang="en-US" dirty="0">
+                <a:latin typeface="Agency FB" panose="020B0503020202020204" pitchFamily="34" charset="0"/>
+                <a:cs typeface="Cavolini" panose="03000502040302020204" pitchFamily="66" charset="0"/>
+              </a:rPr>
+              <a:t>empowers individuals with limited economic means to access high-quality devices.</a:t>
+            </a:r>
+          </a:p>
+        </p:txBody>
+      </p:sp>
+      <p:sp>
+        <p:nvSpPr>
+          <p:cNvPr id="4" name="TextBox 3">
+            <a:extLst>
+              <a:ext uri="{FF2B5EF4-FFF2-40B4-BE49-F238E27FC236}">
+                <a16:creationId xmlns:a16="http://schemas.microsoft.com/office/drawing/2014/main" id="{FFA75078-B33D-E669-F6DB-4D1EA9870AB7}"/>
+              </a:ext>
+            </a:extLst>
+          </p:cNvPr>
+          <p:cNvSpPr txBox="1"/>
+          <p:nvPr/>
+        </p:nvSpPr>
+        <p:spPr>
+          <a:xfrm>
+            <a:off x="3010976" y="3394523"/>
+            <a:ext cx="2583711" cy="1384995"/>
+          </a:xfrm>
+          <a:prstGeom prst="rect">
+            <a:avLst/>
+          </a:prstGeom>
+          <a:noFill/>
+        </p:spPr>
+        <p:txBody>
+          <a:bodyPr wrap="square">
+            <a:spAutoFit/>
+          </a:bodyPr>
+          <a:lstStyle/>
+          <a:p>
+            <a:pPr algn="just"/>
+            <a:r>
+              <a:rPr lang="en-US" dirty="0">
+                <a:solidFill>
+                  <a:srgbClr val="FF0000"/>
+                </a:solidFill>
+                <a:latin typeface="Chiller" panose="04020404031007020602" pitchFamily="82" charset="0"/>
+              </a:rPr>
+              <a:t>In the mean time many people can not afford a smart phone: a 17-year-old teenager in Anhui, China, in 2011, who went to the black market and sold one of his kidneys to buy the then-latest iPhone 4S in order to keep up with the trend.</a:t>
+            </a:r>
+          </a:p>
+        </p:txBody>
+      </p:sp>
+      <p:sp>
+        <p:nvSpPr>
+          <p:cNvPr id="7" name="TextBox 6">
+            <a:extLst>
+              <a:ext uri="{FF2B5EF4-FFF2-40B4-BE49-F238E27FC236}">
+                <a16:creationId xmlns:a16="http://schemas.microsoft.com/office/drawing/2014/main" id="{5B48CA1E-52CB-7337-011F-5517D21E5A81}"/>
+              </a:ext>
+            </a:extLst>
+          </p:cNvPr>
+          <p:cNvSpPr txBox="1"/>
+          <p:nvPr/>
+        </p:nvSpPr>
+        <p:spPr>
+          <a:xfrm>
+            <a:off x="216007" y="3394523"/>
+            <a:ext cx="2580356" cy="1169551"/>
+          </a:xfrm>
+          <a:prstGeom prst="rect">
+            <a:avLst/>
+          </a:prstGeom>
+          <a:noFill/>
+        </p:spPr>
+        <p:txBody>
+          <a:bodyPr wrap="square">
+            <a:spAutoFit/>
+          </a:bodyPr>
+          <a:lstStyle/>
+          <a:p>
+            <a:pPr algn="dist"/>
+            <a:r>
+              <a:rPr lang="en-US" dirty="0">
+                <a:latin typeface="Harlow Solid Italic" panose="04030604020F02020D02" pitchFamily="82" charset="0"/>
+                <a:cs typeface="Cavolini" panose="03000502040302020204" pitchFamily="66" charset="0"/>
+              </a:rPr>
+              <a:t>In today's fast-paced technological landscape, smartphones undergo rapid updates, leading to a substantial number of devices being discarded annually. </a:t>
+            </a:r>
+          </a:p>
+        </p:txBody>
+      </p:sp>
+      <p:pic>
+        <p:nvPicPr>
+          <p:cNvPr id="9" name="Picture 8">
+            <a:extLst>
+              <a:ext uri="{FF2B5EF4-FFF2-40B4-BE49-F238E27FC236}">
+                <a16:creationId xmlns:a16="http://schemas.microsoft.com/office/drawing/2014/main" id="{0EC4FF85-32E6-EC74-FA4D-6588BDBA2698}"/>
+              </a:ext>
+            </a:extLst>
+          </p:cNvPr>
+          <p:cNvPicPr>
+            <a:picLocks noChangeAspect="1"/>
+          </p:cNvPicPr>
+          <p:nvPr/>
+        </p:nvPicPr>
+        <p:blipFill rotWithShape="1">
+          <a:blip r:embed="rId4"/>
+          <a:srcRect b="17795"/>
+          <a:stretch/>
+        </p:blipFill>
+        <p:spPr>
+          <a:xfrm>
+            <a:off x="3110024" y="1051357"/>
+            <a:ext cx="2484663" cy="2166482"/>
+          </a:xfrm>
+          <a:prstGeom prst="rect">
+            <a:avLst/>
+          </a:prstGeom>
+        </p:spPr>
+      </p:pic>
+      <p:pic>
+        <p:nvPicPr>
+          <p:cNvPr id="11" name="Picture 10">
+            <a:extLst>
+              <a:ext uri="{FF2B5EF4-FFF2-40B4-BE49-F238E27FC236}">
+                <a16:creationId xmlns:a16="http://schemas.microsoft.com/office/drawing/2014/main" id="{4612FB09-5ECF-83BB-1645-BBD9E6DF852B}"/>
+              </a:ext>
+            </a:extLst>
+          </p:cNvPr>
+          <p:cNvPicPr>
+            <a:picLocks noChangeAspect="1"/>
+          </p:cNvPicPr>
+          <p:nvPr/>
+        </p:nvPicPr>
+        <p:blipFill rotWithShape="1">
+          <a:blip r:embed="rId5"/>
+          <a:srcRect r="9960"/>
+          <a:stretch/>
+        </p:blipFill>
+        <p:spPr>
+          <a:xfrm>
+            <a:off x="6052724" y="2900401"/>
+            <a:ext cx="2484663" cy="2157794"/>
+          </a:xfrm>
+          <a:prstGeom prst="rect">
+            <a:avLst/>
+          </a:prstGeom>
+        </p:spPr>
+      </p:pic>
+    </p:spTree>
+    <p:extLst>
+      <p:ext uri="{BB962C8B-B14F-4D97-AF65-F5344CB8AC3E}">
+        <p14:creationId xmlns:p14="http://schemas.microsoft.com/office/powerpoint/2010/main" val="1108182153"/>
+      </p:ext>
+    </p:extLst>
+  </p:cSld>
+  <p:clrMapOvr>
+    <a:masterClrMapping/>
+  </p:clrMapOvr>
+</p:sld>
+</file>
+
+<file path=ppt/slides/slide3.xml><?xml version="1.0" encoding="utf-8"?>
+<p:sld xmlns:a="http://schemas.openxmlformats.org/drawingml/2006/main" xmlns:r="http://schemas.openxmlformats.org/officeDocument/2006/relationships" xmlns:p="http://schemas.openxmlformats.org/presentationml/2006/main">
+  <p:cSld>
+    <p:spTree>
+      <p:nvGrpSpPr>
         <p:cNvPr id="1" name="Shape 61"/>
         <p:cNvGrpSpPr/>
         <p:nvPr/>
@@ -7112,7 +7617,7 @@
           <p:nvPr>
             <p:extLst>
               <p:ext uri="{D42A27DB-BD31-4B8C-83A1-F6EECF244321}">
-                <p14:modId xmlns:p14="http://schemas.microsoft.com/office/powerpoint/2010/main" val="4194129783"/>
+                <p14:modId xmlns:p14="http://schemas.microsoft.com/office/powerpoint/2010/main" val="706197518"/>
               </p:ext>
             </p:extLst>
           </p:nvPr>
@@ -7586,6 +8091,26 @@
                         <a:rPr lang="zh-CN" sz="1600" dirty="0"/>
                         <a:t> User Profile</a:t>
                       </a:r>
+                      <a:r>
+                        <a:rPr lang="en-US" altLang="zh-CN" sz="1600" dirty="0"/>
+                        <a:t>,</a:t>
+                      </a:r>
+                      <a:r>
+                        <a:rPr lang="zh-CN" altLang="en-US" sz="1600" dirty="0"/>
+                        <a:t> </a:t>
+                      </a:r>
+                      <a:r>
+                        <a:rPr lang="en-US" altLang="zh-CN" sz="1600" dirty="0"/>
+                        <a:t>Rating</a:t>
+                      </a:r>
+                      <a:r>
+                        <a:rPr lang="zh-CN" altLang="en-US" sz="1600" dirty="0"/>
+                        <a:t> </a:t>
+                      </a:r>
+                      <a:r>
+                        <a:rPr lang="en-US" altLang="zh-CN" sz="1600" dirty="0"/>
+                        <a:t>System</a:t>
+                      </a:r>
                       <a:endParaRPr sz="1600" dirty="0"/>
                     </a:p>
                   </a:txBody>
@@ -7685,7 +8210,15 @@
                       </a:r>
                       <a:r>
                         <a:rPr lang="en-US" altLang="zh-CN" sz="1600" dirty="0"/>
-                        <a:t>Order History</a:t>
+                        <a:t>Order History,</a:t>
+                      </a:r>
+                      <a:r>
+                        <a:rPr lang="zh-CN" altLang="en-US" sz="1600" dirty="0"/>
+                        <a:t> </a:t>
+                      </a:r>
+                      <a:r>
+                        <a:rPr lang="en-US" altLang="zh-CN" sz="1600"/>
+                        <a:t>Testing</a:t>
                       </a:r>
                       <a:endParaRPr sz="1600" dirty="0"/>
                     </a:p>
@@ -7929,7 +8462,7 @@
 </p:sld>
 </file>
 
-<file path=ppt/slides/slide3.xml><?xml version="1.0" encoding="utf-8"?>
+<file path=ppt/slides/slide4.xml><?xml version="1.0" encoding="utf-8"?>
 <p:sld xmlns:a="http://schemas.openxmlformats.org/drawingml/2006/main" xmlns:r="http://schemas.openxmlformats.org/officeDocument/2006/relationships" xmlns:p="http://schemas.openxmlformats.org/presentationml/2006/main">
   <p:cSld>
     <p:spTree>
@@ -8121,7 +8654,7 @@
 </p:sld>
 </file>
 
-<file path=ppt/slides/slide4.xml><?xml version="1.0" encoding="utf-8"?>
+<file path=ppt/slides/slide5.xml><?xml version="1.0" encoding="utf-8"?>
 <p:sld xmlns:a="http://schemas.openxmlformats.org/drawingml/2006/main" xmlns:r="http://schemas.openxmlformats.org/officeDocument/2006/relationships" xmlns:p="http://schemas.openxmlformats.org/presentationml/2006/main">
   <p:cSld>
     <p:spTree>
@@ -8481,7 +9014,7 @@
 </p:sld>
 </file>
 
-<file path=ppt/slides/slide5.xml><?xml version="1.0" encoding="utf-8"?>
+<file path=ppt/slides/slide6.xml><?xml version="1.0" encoding="utf-8"?>
 <p:sld xmlns:a="http://schemas.openxmlformats.org/drawingml/2006/main" xmlns:r="http://schemas.openxmlformats.org/officeDocument/2006/relationships" xmlns:p="http://schemas.openxmlformats.org/presentationml/2006/main">
   <p:cSld>
     <p:spTree>
@@ -8665,7 +9198,7 @@
 </p:sld>
 </file>
 
-<file path=ppt/slides/slide6.xml><?xml version="1.0" encoding="utf-8"?>
+<file path=ppt/slides/slide7.xml><?xml version="1.0" encoding="utf-8"?>
 <p:sld xmlns:a="http://schemas.openxmlformats.org/drawingml/2006/main" xmlns:r="http://schemas.openxmlformats.org/officeDocument/2006/relationships" xmlns:p="http://schemas.openxmlformats.org/presentationml/2006/main">
   <p:cSld>
     <p:spTree>
@@ -8793,7 +9326,7 @@
 </p:sld>
 </file>
 
-<file path=ppt/slides/slide7.xml><?xml version="1.0" encoding="utf-8"?>
+<file path=ppt/slides/slide8.xml><?xml version="1.0" encoding="utf-8"?>
 <p:sld xmlns:a="http://schemas.openxmlformats.org/drawingml/2006/main" xmlns:r="http://schemas.openxmlformats.org/officeDocument/2006/relationships" xmlns:p="http://schemas.openxmlformats.org/presentationml/2006/main">
   <p:cSld>
     <p:spTree>
